--- a/ML/HandsOn/13/13_1_3_데이터전처리.pptx
+++ b/ML/HandsOn/13/13_1_3_데이터전처리.pptx
@@ -8,6 +8,18 @@
     <p:sldId id="256" r:id="rId2"/>
     <p:sldId id="257" r:id="rId3"/>
     <p:sldId id="258" r:id="rId4"/>
+    <p:sldId id="260" r:id="rId5"/>
+    <p:sldId id="261" r:id="rId6"/>
+    <p:sldId id="259" r:id="rId7"/>
+    <p:sldId id="262" r:id="rId8"/>
+    <p:sldId id="264" r:id="rId9"/>
+    <p:sldId id="265" r:id="rId10"/>
+    <p:sldId id="268" r:id="rId11"/>
+    <p:sldId id="269" r:id="rId12"/>
+    <p:sldId id="270" r:id="rId13"/>
+    <p:sldId id="271" r:id="rId14"/>
+    <p:sldId id="272" r:id="rId15"/>
+    <p:sldId id="273" r:id="rId16"/>
   </p:sldIdLst>
   <p:sldSz cx="9144000" cy="6858000" type="screen4x3"/>
   <p:notesSz cx="6858000" cy="9144000"/>
@@ -2991,26 +3003,38 @@
           </a:bodyPr>
           <a:lstStyle/>
           <a:p>
-            <a:r>
-              <a:rPr lang="en-US" altLang="ko-KR" sz="4000"/>
+            <a:pPr>
+              <a:lnSpc>
+                <a:spcPct val="100000"/>
+              </a:lnSpc>
+            </a:pPr>
+            <a:r>
+              <a:rPr lang="en-US" altLang="ko-KR" sz="4000" dirty="0"/>
               <a:t>13.1.3 ~ 13.1.6</a:t>
             </a:r>
             <a:br>
-              <a:rPr lang="en-US" altLang="ko-KR" sz="4000"/>
+              <a:rPr lang="en-US" altLang="ko-KR" sz="4000" dirty="0"/>
             </a:br>
             <a:r>
-              <a:rPr lang="ko-KR" altLang="en-US" sz="4000"/>
-              <a:t>데이터 전처리 </a:t>
-            </a:r>
-            <a:r>
-              <a:rPr lang="en-US" altLang="ko-KR" sz="4000"/>
+              <a:rPr lang="ko-KR" altLang="en-US" sz="4000" dirty="0"/>
+              <a:t>데이터 </a:t>
+            </a:r>
+            <a:r>
+              <a:rPr lang="ko-KR" altLang="en-US" sz="4000" dirty="0" err="1"/>
+              <a:t>전처리</a:t>
+            </a:r>
+            <a:r>
+              <a:rPr lang="ko-KR" altLang="en-US" sz="4000" dirty="0"/>
+              <a:t> </a:t>
+            </a:r>
+            <a:r>
+              <a:rPr lang="en-US" altLang="ko-KR" sz="4000" dirty="0"/>
               <a:t>~ </a:t>
             </a:r>
             <a:r>
-              <a:rPr lang="ko-KR" altLang="en-US" sz="4000"/>
-              <a:t>데이터셋 이용하기</a:t>
-            </a:r>
-            <a:endParaRPr lang="ko-KR" altLang="en-US" sz="4000" dirty="0"/>
+              <a:rPr lang="ko-KR" altLang="en-US" sz="4000" dirty="0"/>
+              <a:t>데이터셋 사용하기</a:t>
+            </a:r>
           </a:p>
         </p:txBody>
       </p:sp>
@@ -3032,7 +3056,7 @@
         </p:nvSpPr>
         <p:spPr/>
         <p:txBody>
-          <a:bodyPr/>
+          <a:bodyPr anchor="ctr"/>
           <a:lstStyle/>
           <a:p>
             <a:r>
@@ -3050,6 +3074,1635 @@
     <p:extLst>
       <p:ext uri="{BB962C8B-B14F-4D97-AF65-F5344CB8AC3E}">
         <p14:creationId xmlns:p14="http://schemas.microsoft.com/office/powerpoint/2010/main" val="3751952328"/>
+      </p:ext>
+    </p:extLst>
+  </p:cSld>
+  <p:clrMapOvr>
+    <a:masterClrMapping/>
+  </p:clrMapOvr>
+</p:sld>
+</file>
+
+<file path=ppt/slides/slide10.xml><?xml version="1.0" encoding="utf-8"?>
+<p:sld xmlns:a="http://schemas.openxmlformats.org/drawingml/2006/main" xmlns:r="http://schemas.openxmlformats.org/officeDocument/2006/relationships" xmlns:p="http://schemas.openxmlformats.org/presentationml/2006/main">
+  <p:cSld>
+    <p:spTree>
+      <p:nvGrpSpPr>
+        <p:cNvPr id="1" name=""/>
+        <p:cNvGrpSpPr/>
+        <p:nvPr/>
+      </p:nvGrpSpPr>
+      <p:grpSpPr>
+        <a:xfrm>
+          <a:off x="0" y="0"/>
+          <a:ext cx="0" cy="0"/>
+          <a:chOff x="0" y="0"/>
+          <a:chExt cx="0" cy="0"/>
+        </a:xfrm>
+      </p:grpSpPr>
+      <p:sp>
+        <p:nvSpPr>
+          <p:cNvPr id="2" name="제목 1">
+            <a:extLst>
+              <a:ext uri="{FF2B5EF4-FFF2-40B4-BE49-F238E27FC236}">
+                <a16:creationId xmlns:a16="http://schemas.microsoft.com/office/drawing/2014/main" id="{FB50235F-C55C-48F7-92B3-FCAB7ECDAD05}"/>
+              </a:ext>
+            </a:extLst>
+          </p:cNvPr>
+          <p:cNvSpPr>
+            <a:spLocks noGrp="1"/>
+          </p:cNvSpPr>
+          <p:nvPr>
+            <p:ph type="title"/>
+          </p:nvPr>
+        </p:nvSpPr>
+        <p:spPr/>
+        <p:txBody>
+          <a:bodyPr>
+            <a:noAutofit/>
+          </a:bodyPr>
+          <a:lstStyle/>
+          <a:p>
+            <a:r>
+              <a:rPr lang="en-US" altLang="ko-KR" sz="3600" dirty="0"/>
+              <a:t>13.1.3. </a:t>
+            </a:r>
+            <a:r>
+              <a:rPr lang="ko-KR" altLang="en-US" sz="3600" dirty="0"/>
+              <a:t>데이터 </a:t>
+            </a:r>
+            <a:r>
+              <a:rPr lang="ko-KR" altLang="en-US" sz="3600" dirty="0" err="1"/>
+              <a:t>전처리</a:t>
+            </a:r>
+            <a:endParaRPr lang="ko-KR" altLang="en-US" sz="3600" dirty="0"/>
+          </a:p>
+        </p:txBody>
+      </p:sp>
+      <p:grpSp>
+        <p:nvGrpSpPr>
+          <p:cNvPr id="7" name="그룹 6">
+            <a:extLst>
+              <a:ext uri="{FF2B5EF4-FFF2-40B4-BE49-F238E27FC236}">
+                <a16:creationId xmlns:a16="http://schemas.microsoft.com/office/drawing/2014/main" id="{03E08DEB-DD75-4AC6-855E-F9332BF6CC64}"/>
+              </a:ext>
+            </a:extLst>
+          </p:cNvPr>
+          <p:cNvGrpSpPr/>
+          <p:nvPr/>
+        </p:nvGrpSpPr>
+        <p:grpSpPr>
+          <a:xfrm>
+            <a:off x="1415412" y="1722812"/>
+            <a:ext cx="6313176" cy="3412376"/>
+            <a:chOff x="1907882" y="3978000"/>
+            <a:chExt cx="5328237" cy="2880000"/>
+          </a:xfrm>
+        </p:grpSpPr>
+        <p:pic>
+          <p:nvPicPr>
+            <p:cNvPr id="5" name="그림 4">
+              <a:extLst>
+                <a:ext uri="{FF2B5EF4-FFF2-40B4-BE49-F238E27FC236}">
+                  <a16:creationId xmlns:a16="http://schemas.microsoft.com/office/drawing/2014/main" id="{B1D489FE-286B-4356-BD0E-9D0A9416B9C9}"/>
+                </a:ext>
+              </a:extLst>
+            </p:cNvPr>
+            <p:cNvPicPr>
+              <a:picLocks noChangeAspect="1"/>
+            </p:cNvPicPr>
+            <p:nvPr/>
+          </p:nvPicPr>
+          <p:blipFill>
+            <a:blip r:embed="rId2"/>
+            <a:stretch>
+              <a:fillRect/>
+            </a:stretch>
+          </p:blipFill>
+          <p:spPr>
+            <a:xfrm>
+              <a:off x="1907882" y="3978000"/>
+              <a:ext cx="5328237" cy="2880000"/>
+            </a:xfrm>
+            <a:prstGeom prst="rect">
+              <a:avLst/>
+            </a:prstGeom>
+          </p:spPr>
+        </p:pic>
+        <p:sp>
+          <p:nvSpPr>
+            <p:cNvPr id="6" name="직사각형 5">
+              <a:extLst>
+                <a:ext uri="{FF2B5EF4-FFF2-40B4-BE49-F238E27FC236}">
+                  <a16:creationId xmlns:a16="http://schemas.microsoft.com/office/drawing/2014/main" id="{09C33C8B-212B-400B-8305-9B97ADA25C19}"/>
+                </a:ext>
+              </a:extLst>
+            </p:cNvPr>
+            <p:cNvSpPr/>
+            <p:nvPr/>
+          </p:nvSpPr>
+          <p:spPr>
+            <a:xfrm>
+              <a:off x="3446585" y="5864469"/>
+              <a:ext cx="1230923" cy="694593"/>
+            </a:xfrm>
+            <a:prstGeom prst="rect">
+              <a:avLst/>
+            </a:prstGeom>
+            <a:noFill/>
+            <a:ln w="38100">
+              <a:solidFill>
+                <a:srgbClr val="FF0000"/>
+              </a:solidFill>
+            </a:ln>
+          </p:spPr>
+          <p:style>
+            <a:lnRef idx="2">
+              <a:schemeClr val="accent1">
+                <a:shade val="50000"/>
+              </a:schemeClr>
+            </a:lnRef>
+            <a:fillRef idx="1">
+              <a:schemeClr val="accent1"/>
+            </a:fillRef>
+            <a:effectRef idx="0">
+              <a:schemeClr val="accent1"/>
+            </a:effectRef>
+            <a:fontRef idx="minor">
+              <a:schemeClr val="lt1"/>
+            </a:fontRef>
+          </p:style>
+          <p:txBody>
+            <a:bodyPr rtlCol="0" anchor="ctr"/>
+            <a:lstStyle/>
+            <a:p>
+              <a:pPr algn="ctr"/>
+              <a:endParaRPr lang="ko-KR" altLang="en-US"/>
+            </a:p>
+          </p:txBody>
+        </p:sp>
+      </p:grpSp>
+    </p:spTree>
+    <p:extLst>
+      <p:ext uri="{BB962C8B-B14F-4D97-AF65-F5344CB8AC3E}">
+        <p14:creationId xmlns:p14="http://schemas.microsoft.com/office/powerpoint/2010/main" val="2110521178"/>
+      </p:ext>
+    </p:extLst>
+  </p:cSld>
+  <p:clrMapOvr>
+    <a:masterClrMapping/>
+  </p:clrMapOvr>
+</p:sld>
+</file>
+
+<file path=ppt/slides/slide11.xml><?xml version="1.0" encoding="utf-8"?>
+<p:sld xmlns:a="http://schemas.openxmlformats.org/drawingml/2006/main" xmlns:r="http://schemas.openxmlformats.org/officeDocument/2006/relationships" xmlns:p="http://schemas.openxmlformats.org/presentationml/2006/main">
+  <p:cSld>
+    <p:spTree>
+      <p:nvGrpSpPr>
+        <p:cNvPr id="1" name=""/>
+        <p:cNvGrpSpPr/>
+        <p:nvPr/>
+      </p:nvGrpSpPr>
+      <p:grpSpPr>
+        <a:xfrm>
+          <a:off x="0" y="0"/>
+          <a:ext cx="0" cy="0"/>
+          <a:chOff x="0" y="0"/>
+          <a:chExt cx="0" cy="0"/>
+        </a:xfrm>
+      </p:grpSpPr>
+      <p:sp>
+        <p:nvSpPr>
+          <p:cNvPr id="2" name="제목 1">
+            <a:extLst>
+              <a:ext uri="{FF2B5EF4-FFF2-40B4-BE49-F238E27FC236}">
+                <a16:creationId xmlns:a16="http://schemas.microsoft.com/office/drawing/2014/main" id="{FB50235F-C55C-48F7-92B3-FCAB7ECDAD05}"/>
+              </a:ext>
+            </a:extLst>
+          </p:cNvPr>
+          <p:cNvSpPr>
+            <a:spLocks noGrp="1"/>
+          </p:cNvSpPr>
+          <p:nvPr>
+            <p:ph type="title"/>
+          </p:nvPr>
+        </p:nvSpPr>
+        <p:spPr/>
+        <p:txBody>
+          <a:bodyPr>
+            <a:noAutofit/>
+          </a:bodyPr>
+          <a:lstStyle/>
+          <a:p>
+            <a:r>
+              <a:rPr lang="en-US" altLang="ko-KR" sz="3600" dirty="0"/>
+              <a:t>13.1.5. </a:t>
+            </a:r>
+            <a:r>
+              <a:rPr lang="ko-KR" altLang="en-US" sz="3600" dirty="0" err="1"/>
+              <a:t>프리페치</a:t>
+            </a:r>
+            <a:r>
+              <a:rPr lang="ko-KR" altLang="en-US" sz="3600" dirty="0"/>
+              <a:t> </a:t>
+            </a:r>
+            <a:r>
+              <a:rPr lang="en-US" altLang="ko-KR" sz="3600" dirty="0"/>
+              <a:t>(prefetch; </a:t>
+            </a:r>
+            <a:r>
+              <a:rPr lang="ko-KR" altLang="en-US" sz="3600" dirty="0" err="1"/>
+              <a:t>선인출</a:t>
+            </a:r>
+            <a:r>
+              <a:rPr lang="en-US" altLang="ko-KR" sz="3600" dirty="0"/>
+              <a:t>)</a:t>
+            </a:r>
+            <a:endParaRPr lang="ko-KR" altLang="en-US" sz="3600" dirty="0"/>
+          </a:p>
+        </p:txBody>
+      </p:sp>
+      <p:grpSp>
+        <p:nvGrpSpPr>
+          <p:cNvPr id="7" name="그룹 6">
+            <a:extLst>
+              <a:ext uri="{FF2B5EF4-FFF2-40B4-BE49-F238E27FC236}">
+                <a16:creationId xmlns:a16="http://schemas.microsoft.com/office/drawing/2014/main" id="{03E08DEB-DD75-4AC6-855E-F9332BF6CC64}"/>
+              </a:ext>
+            </a:extLst>
+          </p:cNvPr>
+          <p:cNvGrpSpPr/>
+          <p:nvPr/>
+        </p:nvGrpSpPr>
+        <p:grpSpPr>
+          <a:xfrm>
+            <a:off x="1415412" y="1722812"/>
+            <a:ext cx="6313176" cy="3412376"/>
+            <a:chOff x="1907882" y="3978000"/>
+            <a:chExt cx="5328237" cy="2880000"/>
+          </a:xfrm>
+        </p:grpSpPr>
+        <p:pic>
+          <p:nvPicPr>
+            <p:cNvPr id="5" name="그림 4">
+              <a:extLst>
+                <a:ext uri="{FF2B5EF4-FFF2-40B4-BE49-F238E27FC236}">
+                  <a16:creationId xmlns:a16="http://schemas.microsoft.com/office/drawing/2014/main" id="{B1D489FE-286B-4356-BD0E-9D0A9416B9C9}"/>
+                </a:ext>
+              </a:extLst>
+            </p:cNvPr>
+            <p:cNvPicPr>
+              <a:picLocks noChangeAspect="1"/>
+            </p:cNvPicPr>
+            <p:nvPr/>
+          </p:nvPicPr>
+          <p:blipFill>
+            <a:blip r:embed="rId2"/>
+            <a:stretch>
+              <a:fillRect/>
+            </a:stretch>
+          </p:blipFill>
+          <p:spPr>
+            <a:xfrm>
+              <a:off x="1907882" y="3978000"/>
+              <a:ext cx="5328237" cy="2880000"/>
+            </a:xfrm>
+            <a:prstGeom prst="rect">
+              <a:avLst/>
+            </a:prstGeom>
+          </p:spPr>
+        </p:pic>
+        <p:sp>
+          <p:nvSpPr>
+            <p:cNvPr id="6" name="직사각형 5">
+              <a:extLst>
+                <a:ext uri="{FF2B5EF4-FFF2-40B4-BE49-F238E27FC236}">
+                  <a16:creationId xmlns:a16="http://schemas.microsoft.com/office/drawing/2014/main" id="{09C33C8B-212B-400B-8305-9B97ADA25C19}"/>
+                </a:ext>
+              </a:extLst>
+            </p:cNvPr>
+            <p:cNvSpPr/>
+            <p:nvPr/>
+          </p:nvSpPr>
+          <p:spPr>
+            <a:xfrm>
+              <a:off x="5635659" y="5864469"/>
+              <a:ext cx="806331" cy="694593"/>
+            </a:xfrm>
+            <a:prstGeom prst="rect">
+              <a:avLst/>
+            </a:prstGeom>
+            <a:noFill/>
+            <a:ln w="38100">
+              <a:solidFill>
+                <a:srgbClr val="FF0000"/>
+              </a:solidFill>
+            </a:ln>
+          </p:spPr>
+          <p:style>
+            <a:lnRef idx="2">
+              <a:schemeClr val="accent1">
+                <a:shade val="50000"/>
+              </a:schemeClr>
+            </a:lnRef>
+            <a:fillRef idx="1">
+              <a:schemeClr val="accent1"/>
+            </a:fillRef>
+            <a:effectRef idx="0">
+              <a:schemeClr val="accent1"/>
+            </a:effectRef>
+            <a:fontRef idx="minor">
+              <a:schemeClr val="lt1"/>
+            </a:fontRef>
+          </p:style>
+          <p:txBody>
+            <a:bodyPr rtlCol="0" anchor="ctr"/>
+            <a:lstStyle/>
+            <a:p>
+              <a:pPr algn="ctr"/>
+              <a:endParaRPr lang="ko-KR" altLang="en-US" dirty="0"/>
+            </a:p>
+          </p:txBody>
+        </p:sp>
+      </p:grpSp>
+    </p:spTree>
+    <p:extLst>
+      <p:ext uri="{BB962C8B-B14F-4D97-AF65-F5344CB8AC3E}">
+        <p14:creationId xmlns:p14="http://schemas.microsoft.com/office/powerpoint/2010/main" val="2558075516"/>
+      </p:ext>
+    </p:extLst>
+  </p:cSld>
+  <p:clrMapOvr>
+    <a:masterClrMapping/>
+  </p:clrMapOvr>
+</p:sld>
+</file>
+
+<file path=ppt/slides/slide12.xml><?xml version="1.0" encoding="utf-8"?>
+<p:sld xmlns:a="http://schemas.openxmlformats.org/drawingml/2006/main" xmlns:r="http://schemas.openxmlformats.org/officeDocument/2006/relationships" xmlns:p="http://schemas.openxmlformats.org/presentationml/2006/main">
+  <p:cSld>
+    <p:spTree>
+      <p:nvGrpSpPr>
+        <p:cNvPr id="1" name=""/>
+        <p:cNvGrpSpPr/>
+        <p:nvPr/>
+      </p:nvGrpSpPr>
+      <p:grpSpPr>
+        <a:xfrm>
+          <a:off x="0" y="0"/>
+          <a:ext cx="0" cy="0"/>
+          <a:chOff x="0" y="0"/>
+          <a:chExt cx="0" cy="0"/>
+        </a:xfrm>
+      </p:grpSpPr>
+      <p:sp>
+        <p:nvSpPr>
+          <p:cNvPr id="2" name="제목 1">
+            <a:extLst>
+              <a:ext uri="{FF2B5EF4-FFF2-40B4-BE49-F238E27FC236}">
+                <a16:creationId xmlns:a16="http://schemas.microsoft.com/office/drawing/2014/main" id="{EE017C7D-B2F5-4ED7-B0C8-9AE3BCD64BA2}"/>
+              </a:ext>
+            </a:extLst>
+          </p:cNvPr>
+          <p:cNvSpPr>
+            <a:spLocks noGrp="1"/>
+          </p:cNvSpPr>
+          <p:nvPr>
+            <p:ph type="title"/>
+          </p:nvPr>
+        </p:nvSpPr>
+        <p:spPr>
+          <a:xfrm>
+            <a:off x="628650" y="347541"/>
+            <a:ext cx="7886700" cy="1325563"/>
+          </a:xfrm>
+        </p:spPr>
+        <p:txBody>
+          <a:bodyPr>
+            <a:normAutofit/>
+          </a:bodyPr>
+          <a:lstStyle/>
+          <a:p>
+            <a:r>
+              <a:rPr lang="en-US" altLang="ko-KR" sz="3600" dirty="0"/>
+              <a:t>13.1.5. </a:t>
+            </a:r>
+            <a:r>
+              <a:rPr lang="ko-KR" altLang="en-US" sz="3600" dirty="0" err="1"/>
+              <a:t>프리페치</a:t>
+            </a:r>
+            <a:r>
+              <a:rPr lang="ko-KR" altLang="en-US" sz="3600" dirty="0"/>
+              <a:t> </a:t>
+            </a:r>
+            <a:r>
+              <a:rPr lang="en-US" altLang="ko-KR" sz="3600" dirty="0"/>
+              <a:t>(prefetch)</a:t>
+            </a:r>
+            <a:endParaRPr lang="ko-KR" altLang="en-US" sz="3600" dirty="0"/>
+          </a:p>
+        </p:txBody>
+      </p:sp>
+      <p:grpSp>
+        <p:nvGrpSpPr>
+          <p:cNvPr id="4" name="그룹 3">
+            <a:extLst>
+              <a:ext uri="{FF2B5EF4-FFF2-40B4-BE49-F238E27FC236}">
+                <a16:creationId xmlns:a16="http://schemas.microsoft.com/office/drawing/2014/main" id="{75BCC851-1A2F-4D5F-B67A-9185D67AA511}"/>
+              </a:ext>
+            </a:extLst>
+          </p:cNvPr>
+          <p:cNvGrpSpPr/>
+          <p:nvPr/>
+        </p:nvGrpSpPr>
+        <p:grpSpPr>
+          <a:xfrm>
+            <a:off x="209550" y="1690689"/>
+            <a:ext cx="8724900" cy="3608510"/>
+            <a:chOff x="209550" y="1690689"/>
+            <a:chExt cx="8724900" cy="3608510"/>
+          </a:xfrm>
+        </p:grpSpPr>
+        <p:pic>
+          <p:nvPicPr>
+            <p:cNvPr id="5" name="그림 4">
+              <a:extLst>
+                <a:ext uri="{FF2B5EF4-FFF2-40B4-BE49-F238E27FC236}">
+                  <a16:creationId xmlns:a16="http://schemas.microsoft.com/office/drawing/2014/main" id="{A445163B-DE4C-47EA-85C2-FEE8F049112A}"/>
+                </a:ext>
+              </a:extLst>
+            </p:cNvPr>
+            <p:cNvPicPr>
+              <a:picLocks noChangeAspect="1"/>
+            </p:cNvPicPr>
+            <p:nvPr/>
+          </p:nvPicPr>
+          <p:blipFill>
+            <a:blip r:embed="rId2"/>
+            <a:stretch>
+              <a:fillRect/>
+            </a:stretch>
+          </p:blipFill>
+          <p:spPr>
+            <a:xfrm>
+              <a:off x="209550" y="1690689"/>
+              <a:ext cx="8724900" cy="3590925"/>
+            </a:xfrm>
+            <a:prstGeom prst="rect">
+              <a:avLst/>
+            </a:prstGeom>
+          </p:spPr>
+        </p:pic>
+        <p:sp>
+          <p:nvSpPr>
+            <p:cNvPr id="6" name="직사각형 5">
+              <a:extLst>
+                <a:ext uri="{FF2B5EF4-FFF2-40B4-BE49-F238E27FC236}">
+                  <a16:creationId xmlns:a16="http://schemas.microsoft.com/office/drawing/2014/main" id="{3EF68D9B-B4D3-4E34-9406-1D37F501EE7B}"/>
+                </a:ext>
+              </a:extLst>
+            </p:cNvPr>
+            <p:cNvSpPr/>
+            <p:nvPr/>
+          </p:nvSpPr>
+          <p:spPr>
+            <a:xfrm>
+              <a:off x="628650" y="4894753"/>
+              <a:ext cx="5376496" cy="404446"/>
+            </a:xfrm>
+            <a:prstGeom prst="rect">
+              <a:avLst/>
+            </a:prstGeom>
+            <a:noFill/>
+            <a:ln w="38100">
+              <a:solidFill>
+                <a:srgbClr val="FF0000"/>
+              </a:solidFill>
+            </a:ln>
+          </p:spPr>
+          <p:style>
+            <a:lnRef idx="2">
+              <a:schemeClr val="accent1">
+                <a:shade val="50000"/>
+              </a:schemeClr>
+            </a:lnRef>
+            <a:fillRef idx="1">
+              <a:schemeClr val="accent1"/>
+            </a:fillRef>
+            <a:effectRef idx="0">
+              <a:schemeClr val="accent1"/>
+            </a:effectRef>
+            <a:fontRef idx="minor">
+              <a:schemeClr val="lt1"/>
+            </a:fontRef>
+          </p:style>
+          <p:txBody>
+            <a:bodyPr rtlCol="0" anchor="ctr"/>
+            <a:lstStyle/>
+            <a:p>
+              <a:pPr algn="ctr"/>
+              <a:endParaRPr lang="ko-KR" altLang="en-US"/>
+            </a:p>
+          </p:txBody>
+        </p:sp>
+      </p:grpSp>
+      <p:sp>
+        <p:nvSpPr>
+          <p:cNvPr id="7" name="내용 개체 틀 2">
+            <a:extLst>
+              <a:ext uri="{FF2B5EF4-FFF2-40B4-BE49-F238E27FC236}">
+                <a16:creationId xmlns:a16="http://schemas.microsoft.com/office/drawing/2014/main" id="{6DEE94CD-C400-4EF2-932A-9D070A26363D}"/>
+              </a:ext>
+            </a:extLst>
+          </p:cNvPr>
+          <p:cNvSpPr>
+            <a:spLocks noGrp="1"/>
+          </p:cNvSpPr>
+          <p:nvPr>
+            <p:ph idx="1"/>
+          </p:nvPr>
+        </p:nvSpPr>
+        <p:spPr>
+          <a:xfrm>
+            <a:off x="628650" y="5408236"/>
+            <a:ext cx="7886700" cy="900000"/>
+          </a:xfrm>
+        </p:spPr>
+        <p:txBody>
+          <a:bodyPr>
+            <a:normAutofit/>
+          </a:bodyPr>
+          <a:lstStyle/>
+          <a:p>
+            <a:r>
+              <a:rPr lang="en-US" altLang="ko-KR" sz="2400" dirty="0"/>
+              <a:t>prefetch(1): </a:t>
+            </a:r>
+            <a:r>
+              <a:rPr lang="ko-KR" altLang="en-US" sz="2400" dirty="0"/>
+              <a:t>훈련 알고리즘이 한 배치로 작업하는 동안</a:t>
+            </a:r>
+            <a:r>
+              <a:rPr lang="en-US" altLang="ko-KR" sz="2400" dirty="0"/>
+              <a:t>, </a:t>
+            </a:r>
+            <a:r>
+              <a:rPr lang="ko-KR" altLang="en-US" sz="2400" dirty="0"/>
+              <a:t>동시에 다음 훈련시킬 </a:t>
+            </a:r>
+            <a:r>
+              <a:rPr lang="en-US" altLang="ko-KR" sz="2400" dirty="0"/>
+              <a:t>1</a:t>
+            </a:r>
+            <a:r>
+              <a:rPr lang="ko-KR" altLang="en-US" sz="2400" dirty="0"/>
+              <a:t>개의 배치를 미리 준비함</a:t>
+            </a:r>
+          </a:p>
+        </p:txBody>
+      </p:sp>
+    </p:spTree>
+    <p:extLst>
+      <p:ext uri="{BB962C8B-B14F-4D97-AF65-F5344CB8AC3E}">
+        <p14:creationId xmlns:p14="http://schemas.microsoft.com/office/powerpoint/2010/main" val="1983328492"/>
+      </p:ext>
+    </p:extLst>
+  </p:cSld>
+  <p:clrMapOvr>
+    <a:masterClrMapping/>
+  </p:clrMapOvr>
+</p:sld>
+</file>
+
+<file path=ppt/slides/slide13.xml><?xml version="1.0" encoding="utf-8"?>
+<p:sld xmlns:a="http://schemas.openxmlformats.org/drawingml/2006/main" xmlns:r="http://schemas.openxmlformats.org/officeDocument/2006/relationships" xmlns:p="http://schemas.openxmlformats.org/presentationml/2006/main">
+  <p:cSld>
+    <p:spTree>
+      <p:nvGrpSpPr>
+        <p:cNvPr id="1" name=""/>
+        <p:cNvGrpSpPr/>
+        <p:nvPr/>
+      </p:nvGrpSpPr>
+      <p:grpSpPr>
+        <a:xfrm>
+          <a:off x="0" y="0"/>
+          <a:ext cx="0" cy="0"/>
+          <a:chOff x="0" y="0"/>
+          <a:chExt cx="0" cy="0"/>
+        </a:xfrm>
+      </p:grpSpPr>
+      <p:sp>
+        <p:nvSpPr>
+          <p:cNvPr id="2" name="제목 1">
+            <a:extLst>
+              <a:ext uri="{FF2B5EF4-FFF2-40B4-BE49-F238E27FC236}">
+                <a16:creationId xmlns:a16="http://schemas.microsoft.com/office/drawing/2014/main" id="{EE017C7D-B2F5-4ED7-B0C8-9AE3BCD64BA2}"/>
+              </a:ext>
+            </a:extLst>
+          </p:cNvPr>
+          <p:cNvSpPr>
+            <a:spLocks noGrp="1"/>
+          </p:cNvSpPr>
+          <p:nvPr>
+            <p:ph type="title"/>
+          </p:nvPr>
+        </p:nvSpPr>
+        <p:spPr>
+          <a:xfrm>
+            <a:off x="628650" y="347541"/>
+            <a:ext cx="7886700" cy="1325563"/>
+          </a:xfrm>
+        </p:spPr>
+        <p:txBody>
+          <a:bodyPr>
+            <a:normAutofit/>
+          </a:bodyPr>
+          <a:lstStyle/>
+          <a:p>
+            <a:r>
+              <a:rPr lang="en-US" altLang="ko-KR" sz="3600" dirty="0"/>
+              <a:t>13.1.5. </a:t>
+            </a:r>
+            <a:r>
+              <a:rPr lang="ko-KR" altLang="en-US" sz="3600" dirty="0" err="1"/>
+              <a:t>프리페치</a:t>
+            </a:r>
+            <a:r>
+              <a:rPr lang="ko-KR" altLang="en-US" sz="3600" dirty="0"/>
+              <a:t> </a:t>
+            </a:r>
+            <a:r>
+              <a:rPr lang="en-US" altLang="ko-KR" sz="3600" dirty="0"/>
+              <a:t>(prefetch)</a:t>
+            </a:r>
+            <a:endParaRPr lang="ko-KR" altLang="en-US" sz="3600" dirty="0"/>
+          </a:p>
+        </p:txBody>
+      </p:sp>
+      <p:grpSp>
+        <p:nvGrpSpPr>
+          <p:cNvPr id="4" name="그룹 3">
+            <a:extLst>
+              <a:ext uri="{FF2B5EF4-FFF2-40B4-BE49-F238E27FC236}">
+                <a16:creationId xmlns:a16="http://schemas.microsoft.com/office/drawing/2014/main" id="{75BCC851-1A2F-4D5F-B67A-9185D67AA511}"/>
+              </a:ext>
+            </a:extLst>
+          </p:cNvPr>
+          <p:cNvGrpSpPr/>
+          <p:nvPr/>
+        </p:nvGrpSpPr>
+        <p:grpSpPr>
+          <a:xfrm>
+            <a:off x="209550" y="1690689"/>
+            <a:ext cx="8724900" cy="3608510"/>
+            <a:chOff x="209550" y="1690689"/>
+            <a:chExt cx="8724900" cy="3608510"/>
+          </a:xfrm>
+        </p:grpSpPr>
+        <p:pic>
+          <p:nvPicPr>
+            <p:cNvPr id="5" name="그림 4">
+              <a:extLst>
+                <a:ext uri="{FF2B5EF4-FFF2-40B4-BE49-F238E27FC236}">
+                  <a16:creationId xmlns:a16="http://schemas.microsoft.com/office/drawing/2014/main" id="{A445163B-DE4C-47EA-85C2-FEE8F049112A}"/>
+                </a:ext>
+              </a:extLst>
+            </p:cNvPr>
+            <p:cNvPicPr>
+              <a:picLocks noChangeAspect="1"/>
+            </p:cNvPicPr>
+            <p:nvPr/>
+          </p:nvPicPr>
+          <p:blipFill>
+            <a:blip r:embed="rId2"/>
+            <a:stretch>
+              <a:fillRect/>
+            </a:stretch>
+          </p:blipFill>
+          <p:spPr>
+            <a:xfrm>
+              <a:off x="209550" y="1690689"/>
+              <a:ext cx="8724900" cy="3590925"/>
+            </a:xfrm>
+            <a:prstGeom prst="rect">
+              <a:avLst/>
+            </a:prstGeom>
+          </p:spPr>
+        </p:pic>
+        <p:sp>
+          <p:nvSpPr>
+            <p:cNvPr id="6" name="직사각형 5">
+              <a:extLst>
+                <a:ext uri="{FF2B5EF4-FFF2-40B4-BE49-F238E27FC236}">
+                  <a16:creationId xmlns:a16="http://schemas.microsoft.com/office/drawing/2014/main" id="{3EF68D9B-B4D3-4E34-9406-1D37F501EE7B}"/>
+                </a:ext>
+              </a:extLst>
+            </p:cNvPr>
+            <p:cNvSpPr/>
+            <p:nvPr/>
+          </p:nvSpPr>
+          <p:spPr>
+            <a:xfrm>
+              <a:off x="628650" y="4894753"/>
+              <a:ext cx="5376496" cy="404446"/>
+            </a:xfrm>
+            <a:prstGeom prst="rect">
+              <a:avLst/>
+            </a:prstGeom>
+            <a:noFill/>
+            <a:ln w="38100">
+              <a:solidFill>
+                <a:srgbClr val="FF0000"/>
+              </a:solidFill>
+            </a:ln>
+          </p:spPr>
+          <p:style>
+            <a:lnRef idx="2">
+              <a:schemeClr val="accent1">
+                <a:shade val="50000"/>
+              </a:schemeClr>
+            </a:lnRef>
+            <a:fillRef idx="1">
+              <a:schemeClr val="accent1"/>
+            </a:fillRef>
+            <a:effectRef idx="0">
+              <a:schemeClr val="accent1"/>
+            </a:effectRef>
+            <a:fontRef idx="minor">
+              <a:schemeClr val="lt1"/>
+            </a:fontRef>
+          </p:style>
+          <p:txBody>
+            <a:bodyPr rtlCol="0" anchor="ctr"/>
+            <a:lstStyle/>
+            <a:p>
+              <a:pPr algn="ctr"/>
+              <a:endParaRPr lang="ko-KR" altLang="en-US"/>
+            </a:p>
+          </p:txBody>
+        </p:sp>
+      </p:grpSp>
+      <p:sp>
+        <p:nvSpPr>
+          <p:cNvPr id="7" name="내용 개체 틀 2">
+            <a:extLst>
+              <a:ext uri="{FF2B5EF4-FFF2-40B4-BE49-F238E27FC236}">
+                <a16:creationId xmlns:a16="http://schemas.microsoft.com/office/drawing/2014/main" id="{6DEE94CD-C400-4EF2-932A-9D070A26363D}"/>
+              </a:ext>
+            </a:extLst>
+          </p:cNvPr>
+          <p:cNvSpPr>
+            <a:spLocks noGrp="1"/>
+          </p:cNvSpPr>
+          <p:nvPr>
+            <p:ph idx="1"/>
+          </p:nvPr>
+        </p:nvSpPr>
+        <p:spPr>
+          <a:xfrm>
+            <a:off x="628650" y="5408236"/>
+            <a:ext cx="7886700" cy="900000"/>
+          </a:xfrm>
+        </p:spPr>
+        <p:txBody>
+          <a:bodyPr>
+            <a:normAutofit/>
+          </a:bodyPr>
+          <a:lstStyle/>
+          <a:p>
+            <a:r>
+              <a:rPr lang="en-US" altLang="ko-KR" sz="2400" dirty="0"/>
+              <a:t>prefetch(1): </a:t>
+            </a:r>
+            <a:r>
+              <a:rPr lang="ko-KR" altLang="en-US" sz="2400" dirty="0"/>
+              <a:t>훈련 알고리즘이 한 배치로 작업하는 동안</a:t>
+            </a:r>
+            <a:r>
+              <a:rPr lang="en-US" altLang="ko-KR" sz="2400" dirty="0"/>
+              <a:t>, </a:t>
+            </a:r>
+            <a:r>
+              <a:rPr lang="ko-KR" altLang="en-US" sz="2400" dirty="0"/>
+              <a:t>동시에 다음 훈련시킬 </a:t>
+            </a:r>
+            <a:r>
+              <a:rPr lang="en-US" altLang="ko-KR" sz="2400" dirty="0"/>
+              <a:t>1</a:t>
+            </a:r>
+            <a:r>
+              <a:rPr lang="ko-KR" altLang="en-US" sz="2400" dirty="0"/>
+              <a:t>개의 배치를 미리 준비함</a:t>
+            </a:r>
+          </a:p>
+        </p:txBody>
+      </p:sp>
+      <p:pic>
+        <p:nvPicPr>
+          <p:cNvPr id="8" name="그림 7">
+            <a:extLst>
+              <a:ext uri="{FF2B5EF4-FFF2-40B4-BE49-F238E27FC236}">
+                <a16:creationId xmlns:a16="http://schemas.microsoft.com/office/drawing/2014/main" id="{3771AFD9-2875-4970-9027-E813CB5791A3}"/>
+              </a:ext>
+            </a:extLst>
+          </p:cNvPr>
+          <p:cNvPicPr>
+            <a:picLocks noChangeAspect="1"/>
+          </p:cNvPicPr>
+          <p:nvPr/>
+        </p:nvPicPr>
+        <p:blipFill>
+          <a:blip r:embed="rId3"/>
+          <a:stretch>
+            <a:fillRect/>
+          </a:stretch>
+        </p:blipFill>
+        <p:spPr>
+          <a:xfrm>
+            <a:off x="1111716" y="1528131"/>
+            <a:ext cx="6920567" cy="3240000"/>
+          </a:xfrm>
+          <a:prstGeom prst="rect">
+            <a:avLst/>
+          </a:prstGeom>
+          <a:ln w="38100">
+            <a:solidFill>
+              <a:srgbClr val="FF0000"/>
+            </a:solidFill>
+          </a:ln>
+        </p:spPr>
+      </p:pic>
+    </p:spTree>
+    <p:extLst>
+      <p:ext uri="{BB962C8B-B14F-4D97-AF65-F5344CB8AC3E}">
+        <p14:creationId xmlns:p14="http://schemas.microsoft.com/office/powerpoint/2010/main" val="3923353742"/>
+      </p:ext>
+    </p:extLst>
+  </p:cSld>
+  <p:clrMapOvr>
+    <a:masterClrMapping/>
+  </p:clrMapOvr>
+</p:sld>
+</file>
+
+<file path=ppt/slides/slide14.xml><?xml version="1.0" encoding="utf-8"?>
+<p:sld xmlns:a="http://schemas.openxmlformats.org/drawingml/2006/main" xmlns:r="http://schemas.openxmlformats.org/officeDocument/2006/relationships" xmlns:p="http://schemas.openxmlformats.org/presentationml/2006/main">
+  <p:cSld>
+    <p:spTree>
+      <p:nvGrpSpPr>
+        <p:cNvPr id="1" name=""/>
+        <p:cNvGrpSpPr/>
+        <p:nvPr/>
+      </p:nvGrpSpPr>
+      <p:grpSpPr>
+        <a:xfrm>
+          <a:off x="0" y="0"/>
+          <a:ext cx="0" cy="0"/>
+          <a:chOff x="0" y="0"/>
+          <a:chExt cx="0" cy="0"/>
+        </a:xfrm>
+      </p:grpSpPr>
+      <p:sp>
+        <p:nvSpPr>
+          <p:cNvPr id="2" name="제목 1">
+            <a:extLst>
+              <a:ext uri="{FF2B5EF4-FFF2-40B4-BE49-F238E27FC236}">
+                <a16:creationId xmlns:a16="http://schemas.microsoft.com/office/drawing/2014/main" id="{EE017C7D-B2F5-4ED7-B0C8-9AE3BCD64BA2}"/>
+              </a:ext>
+            </a:extLst>
+          </p:cNvPr>
+          <p:cNvSpPr>
+            <a:spLocks noGrp="1"/>
+          </p:cNvSpPr>
+          <p:nvPr>
+            <p:ph type="title"/>
+          </p:nvPr>
+        </p:nvSpPr>
+        <p:spPr>
+          <a:xfrm>
+            <a:off x="628650" y="347541"/>
+            <a:ext cx="7886700" cy="1325563"/>
+          </a:xfrm>
+        </p:spPr>
+        <p:txBody>
+          <a:bodyPr>
+            <a:normAutofit/>
+          </a:bodyPr>
+          <a:lstStyle/>
+          <a:p>
+            <a:r>
+              <a:rPr lang="en-US" altLang="ko-KR" sz="3600" dirty="0"/>
+              <a:t>13.1.5. </a:t>
+            </a:r>
+            <a:r>
+              <a:rPr lang="ko-KR" altLang="en-US" sz="3600" dirty="0" err="1"/>
+              <a:t>프리페치</a:t>
+            </a:r>
+            <a:r>
+              <a:rPr lang="ko-KR" altLang="en-US" sz="3600" dirty="0"/>
+              <a:t> </a:t>
+            </a:r>
+            <a:r>
+              <a:rPr lang="en-US" altLang="ko-KR" sz="3600" dirty="0"/>
+              <a:t>(prefetch)</a:t>
+            </a:r>
+            <a:endParaRPr lang="ko-KR" altLang="en-US" sz="3600" dirty="0"/>
+          </a:p>
+        </p:txBody>
+      </p:sp>
+      <p:grpSp>
+        <p:nvGrpSpPr>
+          <p:cNvPr id="4" name="그룹 3">
+            <a:extLst>
+              <a:ext uri="{FF2B5EF4-FFF2-40B4-BE49-F238E27FC236}">
+                <a16:creationId xmlns:a16="http://schemas.microsoft.com/office/drawing/2014/main" id="{75BCC851-1A2F-4D5F-B67A-9185D67AA511}"/>
+              </a:ext>
+            </a:extLst>
+          </p:cNvPr>
+          <p:cNvGrpSpPr/>
+          <p:nvPr/>
+        </p:nvGrpSpPr>
+        <p:grpSpPr>
+          <a:xfrm>
+            <a:off x="209550" y="1690689"/>
+            <a:ext cx="8724900" cy="3608510"/>
+            <a:chOff x="209550" y="1690689"/>
+            <a:chExt cx="8724900" cy="3608510"/>
+          </a:xfrm>
+        </p:grpSpPr>
+        <p:pic>
+          <p:nvPicPr>
+            <p:cNvPr id="5" name="그림 4">
+              <a:extLst>
+                <a:ext uri="{FF2B5EF4-FFF2-40B4-BE49-F238E27FC236}">
+                  <a16:creationId xmlns:a16="http://schemas.microsoft.com/office/drawing/2014/main" id="{A445163B-DE4C-47EA-85C2-FEE8F049112A}"/>
+                </a:ext>
+              </a:extLst>
+            </p:cNvPr>
+            <p:cNvPicPr>
+              <a:picLocks noChangeAspect="1"/>
+            </p:cNvPicPr>
+            <p:nvPr/>
+          </p:nvPicPr>
+          <p:blipFill>
+            <a:blip r:embed="rId2"/>
+            <a:stretch>
+              <a:fillRect/>
+            </a:stretch>
+          </p:blipFill>
+          <p:spPr>
+            <a:xfrm>
+              <a:off x="209550" y="1690689"/>
+              <a:ext cx="8724900" cy="3590925"/>
+            </a:xfrm>
+            <a:prstGeom prst="rect">
+              <a:avLst/>
+            </a:prstGeom>
+          </p:spPr>
+        </p:pic>
+        <p:sp>
+          <p:nvSpPr>
+            <p:cNvPr id="6" name="직사각형 5">
+              <a:extLst>
+                <a:ext uri="{FF2B5EF4-FFF2-40B4-BE49-F238E27FC236}">
+                  <a16:creationId xmlns:a16="http://schemas.microsoft.com/office/drawing/2014/main" id="{3EF68D9B-B4D3-4E34-9406-1D37F501EE7B}"/>
+                </a:ext>
+              </a:extLst>
+            </p:cNvPr>
+            <p:cNvSpPr/>
+            <p:nvPr/>
+          </p:nvSpPr>
+          <p:spPr>
+            <a:xfrm>
+              <a:off x="628650" y="4894753"/>
+              <a:ext cx="5376496" cy="404446"/>
+            </a:xfrm>
+            <a:prstGeom prst="rect">
+              <a:avLst/>
+            </a:prstGeom>
+            <a:noFill/>
+            <a:ln w="38100">
+              <a:solidFill>
+                <a:srgbClr val="FF0000"/>
+              </a:solidFill>
+            </a:ln>
+          </p:spPr>
+          <p:style>
+            <a:lnRef idx="2">
+              <a:schemeClr val="accent1">
+                <a:shade val="50000"/>
+              </a:schemeClr>
+            </a:lnRef>
+            <a:fillRef idx="1">
+              <a:schemeClr val="accent1"/>
+            </a:fillRef>
+            <a:effectRef idx="0">
+              <a:schemeClr val="accent1"/>
+            </a:effectRef>
+            <a:fontRef idx="minor">
+              <a:schemeClr val="lt1"/>
+            </a:fontRef>
+          </p:style>
+          <p:txBody>
+            <a:bodyPr rtlCol="0" anchor="ctr"/>
+            <a:lstStyle/>
+            <a:p>
+              <a:pPr algn="ctr"/>
+              <a:endParaRPr lang="ko-KR" altLang="en-US"/>
+            </a:p>
+          </p:txBody>
+        </p:sp>
+        <p:sp>
+          <p:nvSpPr>
+            <p:cNvPr id="9" name="직사각형 8">
+              <a:extLst>
+                <a:ext uri="{FF2B5EF4-FFF2-40B4-BE49-F238E27FC236}">
+                  <a16:creationId xmlns:a16="http://schemas.microsoft.com/office/drawing/2014/main" id="{749EF356-9126-4403-84DF-D9DA06D0D42D}"/>
+                </a:ext>
+              </a:extLst>
+            </p:cNvPr>
+            <p:cNvSpPr/>
+            <p:nvPr/>
+          </p:nvSpPr>
+          <p:spPr>
+            <a:xfrm>
+              <a:off x="4681904" y="4499099"/>
+              <a:ext cx="4252546" cy="404446"/>
+            </a:xfrm>
+            <a:prstGeom prst="rect">
+              <a:avLst/>
+            </a:prstGeom>
+            <a:noFill/>
+            <a:ln w="38100">
+              <a:solidFill>
+                <a:srgbClr val="FF0000"/>
+              </a:solidFill>
+            </a:ln>
+          </p:spPr>
+          <p:style>
+            <a:lnRef idx="2">
+              <a:schemeClr val="accent1">
+                <a:shade val="50000"/>
+              </a:schemeClr>
+            </a:lnRef>
+            <a:fillRef idx="1">
+              <a:schemeClr val="accent1"/>
+            </a:fillRef>
+            <a:effectRef idx="0">
+              <a:schemeClr val="accent1"/>
+            </a:effectRef>
+            <a:fontRef idx="minor">
+              <a:schemeClr val="lt1"/>
+            </a:fontRef>
+          </p:style>
+          <p:txBody>
+            <a:bodyPr rtlCol="0" anchor="ctr"/>
+            <a:lstStyle/>
+            <a:p>
+              <a:pPr algn="ctr"/>
+              <a:endParaRPr lang="ko-KR" altLang="en-US"/>
+            </a:p>
+          </p:txBody>
+        </p:sp>
+        <p:sp>
+          <p:nvSpPr>
+            <p:cNvPr id="10" name="직사각형 9">
+              <a:extLst>
+                <a:ext uri="{FF2B5EF4-FFF2-40B4-BE49-F238E27FC236}">
+                  <a16:creationId xmlns:a16="http://schemas.microsoft.com/office/drawing/2014/main" id="{A352C7C3-2026-44C4-8011-92BF485FB930}"/>
+                </a:ext>
+              </a:extLst>
+            </p:cNvPr>
+            <p:cNvSpPr/>
+            <p:nvPr/>
+          </p:nvSpPr>
+          <p:spPr>
+            <a:xfrm>
+              <a:off x="3969727" y="3804507"/>
+              <a:ext cx="4252546" cy="404446"/>
+            </a:xfrm>
+            <a:prstGeom prst="rect">
+              <a:avLst/>
+            </a:prstGeom>
+            <a:noFill/>
+            <a:ln w="38100">
+              <a:solidFill>
+                <a:srgbClr val="FF0000"/>
+              </a:solidFill>
+            </a:ln>
+          </p:spPr>
+          <p:style>
+            <a:lnRef idx="2">
+              <a:schemeClr val="accent1">
+                <a:shade val="50000"/>
+              </a:schemeClr>
+            </a:lnRef>
+            <a:fillRef idx="1">
+              <a:schemeClr val="accent1"/>
+            </a:fillRef>
+            <a:effectRef idx="0">
+              <a:schemeClr val="accent1"/>
+            </a:effectRef>
+            <a:fontRef idx="minor">
+              <a:schemeClr val="lt1"/>
+            </a:fontRef>
+          </p:style>
+          <p:txBody>
+            <a:bodyPr rtlCol="0" anchor="ctr"/>
+            <a:lstStyle/>
+            <a:p>
+              <a:pPr algn="ctr"/>
+              <a:endParaRPr lang="ko-KR" altLang="en-US"/>
+            </a:p>
+          </p:txBody>
+        </p:sp>
+      </p:grpSp>
+      <p:sp>
+        <p:nvSpPr>
+          <p:cNvPr id="7" name="내용 개체 틀 2">
+            <a:extLst>
+              <a:ext uri="{FF2B5EF4-FFF2-40B4-BE49-F238E27FC236}">
+                <a16:creationId xmlns:a16="http://schemas.microsoft.com/office/drawing/2014/main" id="{6DEE94CD-C400-4EF2-932A-9D070A26363D}"/>
+              </a:ext>
+            </a:extLst>
+          </p:cNvPr>
+          <p:cNvSpPr>
+            <a:spLocks noGrp="1"/>
+          </p:cNvSpPr>
+          <p:nvPr>
+            <p:ph idx="1"/>
+          </p:nvPr>
+        </p:nvSpPr>
+        <p:spPr>
+          <a:xfrm>
+            <a:off x="628650" y="5408236"/>
+            <a:ext cx="7886700" cy="1080000"/>
+          </a:xfrm>
+        </p:spPr>
+        <p:txBody>
+          <a:bodyPr>
+            <a:normAutofit/>
+          </a:bodyPr>
+          <a:lstStyle/>
+          <a:p>
+            <a:r>
+              <a:rPr lang="ko-KR" altLang="en-US" sz="2400" dirty="0"/>
+              <a:t>데이터 적재와 전처리에 </a:t>
+            </a:r>
+            <a:r>
+              <a:rPr lang="en-US" altLang="ko-KR" sz="2400" dirty="0" err="1"/>
+              <a:t>num_parallel_calls</a:t>
+            </a:r>
+            <a:r>
+              <a:rPr lang="ko-KR" altLang="en-US" sz="2400" dirty="0"/>
+              <a:t>를</a:t>
+            </a:r>
+            <a:r>
+              <a:rPr lang="en-US" altLang="ko-KR" sz="2400" dirty="0"/>
+              <a:t> </a:t>
+            </a:r>
+            <a:r>
+              <a:rPr lang="ko-KR" altLang="en-US" sz="2400" dirty="0"/>
+              <a:t>사용해 병렬 처리와 동시에</a:t>
+            </a:r>
+            <a:r>
+              <a:rPr lang="en-US" altLang="ko-KR" sz="2400" dirty="0"/>
+              <a:t>, </a:t>
+            </a:r>
+            <a:r>
+              <a:rPr lang="ko-KR" altLang="en-US" sz="2400" dirty="0" err="1"/>
+              <a:t>프리페치를</a:t>
+            </a:r>
+            <a:r>
+              <a:rPr lang="ko-KR" altLang="en-US" sz="2400" dirty="0"/>
+              <a:t> 적용하면 훈련 속도 면에서 더욱 향상됨</a:t>
+            </a:r>
+          </a:p>
+        </p:txBody>
+      </p:sp>
+      <p:pic>
+        <p:nvPicPr>
+          <p:cNvPr id="11" name="그림 10">
+            <a:extLst>
+              <a:ext uri="{FF2B5EF4-FFF2-40B4-BE49-F238E27FC236}">
+                <a16:creationId xmlns:a16="http://schemas.microsoft.com/office/drawing/2014/main" id="{BC164F63-0BB7-4941-BD1C-96FF2BB192F7}"/>
+              </a:ext>
+            </a:extLst>
+          </p:cNvPr>
+          <p:cNvPicPr>
+            <a:picLocks noChangeAspect="1"/>
+          </p:cNvPicPr>
+          <p:nvPr/>
+        </p:nvPicPr>
+        <p:blipFill rotWithShape="1">
+          <a:blip r:embed="rId3"/>
+          <a:srcRect t="31741"/>
+          <a:stretch/>
+        </p:blipFill>
+        <p:spPr>
+          <a:xfrm>
+            <a:off x="2736117" y="448758"/>
+            <a:ext cx="6198333" cy="3240000"/>
+          </a:xfrm>
+          <a:prstGeom prst="rect">
+            <a:avLst/>
+          </a:prstGeom>
+          <a:ln w="38100">
+            <a:solidFill>
+              <a:srgbClr val="FF0000"/>
+            </a:solidFill>
+          </a:ln>
+        </p:spPr>
+      </p:pic>
+    </p:spTree>
+    <p:extLst>
+      <p:ext uri="{BB962C8B-B14F-4D97-AF65-F5344CB8AC3E}">
+        <p14:creationId xmlns:p14="http://schemas.microsoft.com/office/powerpoint/2010/main" val="439385696"/>
+      </p:ext>
+    </p:extLst>
+  </p:cSld>
+  <p:clrMapOvr>
+    <a:masterClrMapping/>
+  </p:clrMapOvr>
+</p:sld>
+</file>
+
+<file path=ppt/slides/slide15.xml><?xml version="1.0" encoding="utf-8"?>
+<p:sld xmlns:a="http://schemas.openxmlformats.org/drawingml/2006/main" xmlns:r="http://schemas.openxmlformats.org/officeDocument/2006/relationships" xmlns:p="http://schemas.openxmlformats.org/presentationml/2006/main">
+  <p:cSld>
+    <p:spTree>
+      <p:nvGrpSpPr>
+        <p:cNvPr id="1" name=""/>
+        <p:cNvGrpSpPr/>
+        <p:nvPr/>
+      </p:nvGrpSpPr>
+      <p:grpSpPr>
+        <a:xfrm>
+          <a:off x="0" y="0"/>
+          <a:ext cx="0" cy="0"/>
+          <a:chOff x="0" y="0"/>
+          <a:chExt cx="0" cy="0"/>
+        </a:xfrm>
+      </p:grpSpPr>
+      <p:sp>
+        <p:nvSpPr>
+          <p:cNvPr id="2" name="제목 1">
+            <a:extLst>
+              <a:ext uri="{FF2B5EF4-FFF2-40B4-BE49-F238E27FC236}">
+                <a16:creationId xmlns:a16="http://schemas.microsoft.com/office/drawing/2014/main" id="{E61AAEF0-04B2-4C88-9884-4AC35755CB73}"/>
+              </a:ext>
+            </a:extLst>
+          </p:cNvPr>
+          <p:cNvSpPr>
+            <a:spLocks noGrp="1"/>
+          </p:cNvSpPr>
+          <p:nvPr>
+            <p:ph type="title"/>
+          </p:nvPr>
+        </p:nvSpPr>
+        <p:spPr/>
+        <p:txBody>
+          <a:bodyPr>
+            <a:normAutofit/>
+          </a:bodyPr>
+          <a:lstStyle/>
+          <a:p>
+            <a:r>
+              <a:rPr lang="en-US" altLang="ko-KR" sz="3600" dirty="0"/>
+              <a:t>13.1.6. </a:t>
+            </a:r>
+            <a:r>
+              <a:rPr lang="en-US" altLang="ko-KR" sz="3600" dirty="0" err="1"/>
+              <a:t>tf.keras</a:t>
+            </a:r>
+            <a:r>
+              <a:rPr lang="ko-KR" altLang="en-US" sz="3600" dirty="0"/>
+              <a:t>와 데이터셋 사용하기</a:t>
+            </a:r>
+          </a:p>
+        </p:txBody>
+      </p:sp>
+      <p:sp>
+        <p:nvSpPr>
+          <p:cNvPr id="3" name="내용 개체 틀 2">
+            <a:extLst>
+              <a:ext uri="{FF2B5EF4-FFF2-40B4-BE49-F238E27FC236}">
+                <a16:creationId xmlns:a16="http://schemas.microsoft.com/office/drawing/2014/main" id="{16DFE28D-00EF-4DDD-8052-D60AE572AE96}"/>
+              </a:ext>
+            </a:extLst>
+          </p:cNvPr>
+          <p:cNvSpPr>
+            <a:spLocks noGrp="1"/>
+          </p:cNvSpPr>
+          <p:nvPr>
+            <p:ph idx="1"/>
+          </p:nvPr>
+        </p:nvSpPr>
+        <p:spPr>
+          <a:xfrm>
+            <a:off x="628650" y="1825625"/>
+            <a:ext cx="7886700" cy="900000"/>
+          </a:xfrm>
+        </p:spPr>
+        <p:txBody>
+          <a:bodyPr>
+            <a:normAutofit/>
+          </a:bodyPr>
+          <a:lstStyle/>
+          <a:p>
+            <a:r>
+              <a:rPr lang="en-US" altLang="ko-KR" sz="2400" dirty="0"/>
+              <a:t>13.1.5</a:t>
+            </a:r>
+            <a:r>
+              <a:rPr lang="ko-KR" altLang="en-US" sz="2400" dirty="0"/>
+              <a:t>까지 구성한 </a:t>
+            </a:r>
+            <a:r>
+              <a:rPr lang="en-US" altLang="ko-KR" sz="2400" dirty="0" err="1"/>
+              <a:t>csv_reader_dataset</a:t>
+            </a:r>
+            <a:r>
+              <a:rPr lang="en-US" altLang="ko-KR" sz="2400" dirty="0"/>
+              <a:t> </a:t>
+            </a:r>
+            <a:r>
+              <a:rPr lang="ko-KR" altLang="en-US" sz="2400" dirty="0"/>
+              <a:t>함수를 실제로 사용하는 방법 </a:t>
+            </a:r>
+            <a:r>
+              <a:rPr lang="en-US" altLang="ko-KR" sz="2400" dirty="0">
+                <a:sym typeface="Wingdings" panose="05000000000000000000" pitchFamily="2" charset="2"/>
+              </a:rPr>
+              <a:t> </a:t>
+            </a:r>
+            <a:r>
+              <a:rPr lang="ko-KR" altLang="en-US" sz="2400" dirty="0">
+                <a:sym typeface="Wingdings" panose="05000000000000000000" pitchFamily="2" charset="2"/>
+              </a:rPr>
+              <a:t>간단함</a:t>
+            </a:r>
+            <a:r>
+              <a:rPr lang="en-US" altLang="ko-KR" sz="2400" dirty="0">
+                <a:sym typeface="Wingdings" panose="05000000000000000000" pitchFamily="2" charset="2"/>
+              </a:rPr>
+              <a:t>!</a:t>
+            </a:r>
+            <a:endParaRPr lang="ko-KR" altLang="en-US" sz="2400" dirty="0"/>
+          </a:p>
+        </p:txBody>
+      </p:sp>
+      <p:pic>
+        <p:nvPicPr>
+          <p:cNvPr id="9" name="그림 8">
+            <a:extLst>
+              <a:ext uri="{FF2B5EF4-FFF2-40B4-BE49-F238E27FC236}">
+                <a16:creationId xmlns:a16="http://schemas.microsoft.com/office/drawing/2014/main" id="{3AE1EC0C-F3FC-45B3-A933-FEFFBF22141A}"/>
+              </a:ext>
+            </a:extLst>
+          </p:cNvPr>
+          <p:cNvPicPr>
+            <a:picLocks noChangeAspect="1"/>
+          </p:cNvPicPr>
+          <p:nvPr/>
+        </p:nvPicPr>
+        <p:blipFill>
+          <a:blip r:embed="rId2"/>
+          <a:stretch>
+            <a:fillRect/>
+          </a:stretch>
+        </p:blipFill>
+        <p:spPr>
+          <a:xfrm>
+            <a:off x="983642" y="3074020"/>
+            <a:ext cx="3960000" cy="743769"/>
+          </a:xfrm>
+          <a:prstGeom prst="rect">
+            <a:avLst/>
+          </a:prstGeom>
+        </p:spPr>
+      </p:pic>
+      <p:pic>
+        <p:nvPicPr>
+          <p:cNvPr id="11" name="그림 10">
+            <a:extLst>
+              <a:ext uri="{FF2B5EF4-FFF2-40B4-BE49-F238E27FC236}">
+                <a16:creationId xmlns:a16="http://schemas.microsoft.com/office/drawing/2014/main" id="{9FB9E0AF-61D5-4201-9C6D-A7774135210D}"/>
+              </a:ext>
+            </a:extLst>
+          </p:cNvPr>
+          <p:cNvPicPr>
+            <a:picLocks noChangeAspect="1"/>
+          </p:cNvPicPr>
+          <p:nvPr/>
+        </p:nvPicPr>
+        <p:blipFill>
+          <a:blip r:embed="rId3"/>
+          <a:stretch>
+            <a:fillRect/>
+          </a:stretch>
+        </p:blipFill>
+        <p:spPr>
+          <a:xfrm>
+            <a:off x="983642" y="4244396"/>
+            <a:ext cx="4860000" cy="256814"/>
+          </a:xfrm>
+          <a:prstGeom prst="rect">
+            <a:avLst/>
+          </a:prstGeom>
+        </p:spPr>
+      </p:pic>
+      <p:pic>
+        <p:nvPicPr>
+          <p:cNvPr id="13" name="그림 12">
+            <a:extLst>
+              <a:ext uri="{FF2B5EF4-FFF2-40B4-BE49-F238E27FC236}">
+                <a16:creationId xmlns:a16="http://schemas.microsoft.com/office/drawing/2014/main" id="{1383038F-B462-47B0-808F-A9A3E1EF0195}"/>
+              </a:ext>
+            </a:extLst>
+          </p:cNvPr>
+          <p:cNvPicPr>
+            <a:picLocks noChangeAspect="1"/>
+          </p:cNvPicPr>
+          <p:nvPr/>
+        </p:nvPicPr>
+        <p:blipFill>
+          <a:blip r:embed="rId4"/>
+          <a:stretch>
+            <a:fillRect/>
+          </a:stretch>
+        </p:blipFill>
+        <p:spPr>
+          <a:xfrm>
+            <a:off x="983642" y="4917401"/>
+            <a:ext cx="7200000" cy="752239"/>
+          </a:xfrm>
+          <a:prstGeom prst="rect">
+            <a:avLst/>
+          </a:prstGeom>
+        </p:spPr>
+      </p:pic>
+      <p:sp>
+        <p:nvSpPr>
+          <p:cNvPr id="14" name="TextBox 13">
+            <a:extLst>
+              <a:ext uri="{FF2B5EF4-FFF2-40B4-BE49-F238E27FC236}">
+                <a16:creationId xmlns:a16="http://schemas.microsoft.com/office/drawing/2014/main" id="{35BFF316-1659-4F61-BB3B-1AF768660ABE}"/>
+              </a:ext>
+            </a:extLst>
+          </p:cNvPr>
+          <p:cNvSpPr txBox="1"/>
+          <p:nvPr/>
+        </p:nvSpPr>
+        <p:spPr>
+          <a:xfrm>
+            <a:off x="983642" y="2797021"/>
+            <a:ext cx="3464170" cy="276999"/>
+          </a:xfrm>
+          <a:prstGeom prst="rect">
+            <a:avLst/>
+          </a:prstGeom>
+          <a:solidFill>
+            <a:schemeClr val="bg1"/>
+          </a:solidFill>
+          <a:ln>
+            <a:noFill/>
+          </a:ln>
+        </p:spPr>
+        <p:txBody>
+          <a:bodyPr wrap="square" rtlCol="0">
+            <a:spAutoFit/>
+          </a:bodyPr>
+          <a:lstStyle/>
+          <a:p>
+            <a:r>
+              <a:rPr lang="en-US" altLang="ko-KR" sz="1200" b="1" dirty="0"/>
+              <a:t># </a:t>
+            </a:r>
+            <a:r>
+              <a:rPr lang="ko-KR" altLang="en-US" sz="1200" b="1" dirty="0"/>
+              <a:t>훈련</a:t>
+            </a:r>
+            <a:r>
+              <a:rPr lang="en-US" altLang="ko-KR" sz="1200" b="1" dirty="0"/>
+              <a:t>, </a:t>
+            </a:r>
+            <a:r>
+              <a:rPr lang="ko-KR" altLang="en-US" sz="1200" b="1" dirty="0"/>
+              <a:t>검증</a:t>
+            </a:r>
+            <a:r>
+              <a:rPr lang="en-US" altLang="ko-KR" sz="1200" b="1" dirty="0"/>
+              <a:t>, </a:t>
+            </a:r>
+            <a:r>
+              <a:rPr lang="ko-KR" altLang="en-US" sz="1200" b="1" dirty="0"/>
+              <a:t>테스트 데이터셋 설정</a:t>
+            </a:r>
+          </a:p>
+        </p:txBody>
+      </p:sp>
+      <p:sp>
+        <p:nvSpPr>
+          <p:cNvPr id="15" name="TextBox 14">
+            <a:extLst>
+              <a:ext uri="{FF2B5EF4-FFF2-40B4-BE49-F238E27FC236}">
+                <a16:creationId xmlns:a16="http://schemas.microsoft.com/office/drawing/2014/main" id="{2384A3F6-5177-4B80-8EE4-B624050CACF6}"/>
+              </a:ext>
+            </a:extLst>
+          </p:cNvPr>
+          <p:cNvSpPr txBox="1"/>
+          <p:nvPr/>
+        </p:nvSpPr>
+        <p:spPr>
+          <a:xfrm>
+            <a:off x="983642" y="3961288"/>
+            <a:ext cx="3464170" cy="276999"/>
+          </a:xfrm>
+          <a:prstGeom prst="rect">
+            <a:avLst/>
+          </a:prstGeom>
+          <a:solidFill>
+            <a:schemeClr val="bg1"/>
+          </a:solidFill>
+          <a:ln>
+            <a:noFill/>
+          </a:ln>
+        </p:spPr>
+        <p:txBody>
+          <a:bodyPr wrap="square" rtlCol="0">
+            <a:spAutoFit/>
+          </a:bodyPr>
+          <a:lstStyle/>
+          <a:p>
+            <a:r>
+              <a:rPr lang="en-US" altLang="ko-KR" sz="1200" b="1" dirty="0"/>
+              <a:t># </a:t>
+            </a:r>
+            <a:r>
+              <a:rPr lang="ko-KR" altLang="en-US" sz="1200" b="1" dirty="0" err="1"/>
+              <a:t>케라스</a:t>
+            </a:r>
+            <a:r>
+              <a:rPr lang="ko-KR" altLang="en-US" sz="1200" b="1" dirty="0"/>
+              <a:t> 모델 학습</a:t>
+            </a:r>
+          </a:p>
+        </p:txBody>
+      </p:sp>
+      <p:sp>
+        <p:nvSpPr>
+          <p:cNvPr id="16" name="TextBox 15">
+            <a:extLst>
+              <a:ext uri="{FF2B5EF4-FFF2-40B4-BE49-F238E27FC236}">
+                <a16:creationId xmlns:a16="http://schemas.microsoft.com/office/drawing/2014/main" id="{CB1BBDC4-B6C7-4299-AAA2-10893B7BA8A5}"/>
+              </a:ext>
+            </a:extLst>
+          </p:cNvPr>
+          <p:cNvSpPr txBox="1"/>
+          <p:nvPr/>
+        </p:nvSpPr>
+        <p:spPr>
+          <a:xfrm>
+            <a:off x="983642" y="4640402"/>
+            <a:ext cx="3464170" cy="276999"/>
+          </a:xfrm>
+          <a:prstGeom prst="rect">
+            <a:avLst/>
+          </a:prstGeom>
+          <a:solidFill>
+            <a:schemeClr val="bg1"/>
+          </a:solidFill>
+          <a:ln>
+            <a:noFill/>
+          </a:ln>
+        </p:spPr>
+        <p:txBody>
+          <a:bodyPr wrap="square" rtlCol="0">
+            <a:spAutoFit/>
+          </a:bodyPr>
+          <a:lstStyle/>
+          <a:p>
+            <a:r>
+              <a:rPr lang="en-US" altLang="ko-KR" sz="1200" b="1" dirty="0"/>
+              <a:t># </a:t>
+            </a:r>
+            <a:r>
+              <a:rPr lang="ko-KR" altLang="en-US" sz="1200" b="1" dirty="0" err="1"/>
+              <a:t>케라스</a:t>
+            </a:r>
+            <a:r>
+              <a:rPr lang="ko-KR" altLang="en-US" sz="1200" b="1" dirty="0"/>
+              <a:t> 모델 테스트 예측</a:t>
+            </a:r>
+          </a:p>
+        </p:txBody>
+      </p:sp>
+    </p:spTree>
+    <p:extLst>
+      <p:ext uri="{BB962C8B-B14F-4D97-AF65-F5344CB8AC3E}">
+        <p14:creationId xmlns:p14="http://schemas.microsoft.com/office/powerpoint/2010/main" val="449626665"/>
       </p:ext>
     </p:extLst>
   </p:cSld>
@@ -3143,8 +4796,8 @@
         </p:nvSpPr>
         <p:spPr>
           <a:xfrm>
-            <a:off x="628650" y="1825625"/>
-            <a:ext cx="7886700" cy="2160000"/>
+            <a:off x="628650" y="1825624"/>
+            <a:ext cx="7886700" cy="1620000"/>
           </a:xfrm>
         </p:spPr>
         <p:txBody>
@@ -3154,70 +4807,70 @@
           <a:lstStyle/>
           <a:p>
             <a:r>
-              <a:rPr lang="ko-KR" altLang="en-US" dirty="0"/>
+              <a:rPr lang="ko-KR" altLang="en-US" sz="2400" dirty="0"/>
               <a:t>앞에서는 대규모 데이터를 다루는 데에 유용하게 사용할 수 있는 방법들</a:t>
             </a:r>
             <a:r>
-              <a:rPr lang="en-US" altLang="ko-KR" dirty="0"/>
+              <a:rPr lang="en-US" altLang="ko-KR" sz="2400" dirty="0"/>
               <a:t>(</a:t>
             </a:r>
             <a:r>
-              <a:rPr lang="ko-KR" altLang="en-US" dirty="0"/>
+              <a:rPr lang="ko-KR" altLang="en-US" sz="2400" dirty="0"/>
               <a:t>적재</a:t>
             </a:r>
             <a:r>
-              <a:rPr lang="en-US" altLang="ko-KR" dirty="0"/>
+              <a:rPr lang="en-US" altLang="ko-KR" sz="2400" dirty="0"/>
               <a:t>, </a:t>
             </a:r>
             <a:r>
-              <a:rPr lang="ko-KR" altLang="en-US" dirty="0" err="1"/>
+              <a:rPr lang="ko-KR" altLang="en-US" sz="2400" dirty="0" err="1"/>
               <a:t>셔플</a:t>
             </a:r>
             <a:r>
-              <a:rPr lang="en-US" altLang="ko-KR" dirty="0"/>
+              <a:rPr lang="en-US" altLang="ko-KR" sz="2400" dirty="0"/>
               <a:t>)</a:t>
             </a:r>
             <a:r>
-              <a:rPr lang="ko-KR" altLang="en-US" dirty="0"/>
+              <a:rPr lang="ko-KR" altLang="en-US" sz="2400" dirty="0"/>
               <a:t>을 소개함</a:t>
             </a:r>
-            <a:endParaRPr lang="en-US" altLang="ko-KR" dirty="0"/>
-          </a:p>
-          <a:p>
-            <a:r>
-              <a:rPr lang="en-US" altLang="ko-KR" dirty="0"/>
+            <a:endParaRPr lang="en-US" altLang="ko-KR" sz="2400" dirty="0"/>
+          </a:p>
+          <a:p>
+            <a:r>
+              <a:rPr lang="en-US" altLang="ko-KR" sz="2400" dirty="0"/>
               <a:t>13.1.3 ~ 13.1.4 </a:t>
             </a:r>
             <a:r>
-              <a:rPr lang="ko-KR" altLang="en-US" dirty="0"/>
+              <a:rPr lang="ko-KR" altLang="en-US" sz="2400" dirty="0"/>
               <a:t>에서는 앞에서 소개한 데이터 적재에 </a:t>
             </a:r>
             <a:r>
-              <a:rPr lang="ko-KR" altLang="en-US" dirty="0" err="1"/>
+              <a:rPr lang="ko-KR" altLang="en-US" sz="2400" dirty="0" err="1"/>
               <a:t>전처리</a:t>
             </a:r>
             <a:r>
-              <a:rPr lang="en-US" altLang="ko-KR" dirty="0"/>
+              <a:rPr lang="en-US" altLang="ko-KR" sz="2400" dirty="0"/>
               <a:t>(</a:t>
             </a:r>
             <a:r>
-              <a:rPr lang="ko-KR" altLang="en-US" dirty="0"/>
+              <a:rPr lang="ko-KR" altLang="en-US" sz="2400" dirty="0"/>
               <a:t>정규화</a:t>
             </a:r>
             <a:r>
-              <a:rPr lang="en-US" altLang="ko-KR" dirty="0"/>
+              <a:rPr lang="en-US" altLang="ko-KR" sz="2400" dirty="0"/>
               <a:t>, </a:t>
             </a:r>
             <a:r>
-              <a:rPr lang="ko-KR" altLang="en-US" dirty="0"/>
+              <a:rPr lang="ko-KR" altLang="en-US" sz="2400" dirty="0"/>
               <a:t>표준화</a:t>
             </a:r>
             <a:r>
-              <a:rPr lang="en-US" altLang="ko-KR" dirty="0"/>
+              <a:rPr lang="en-US" altLang="ko-KR" sz="2400" dirty="0"/>
               <a:t>) </a:t>
             </a:r>
             <a:r>
-              <a:rPr lang="ko-KR" altLang="en-US" dirty="0"/>
+              <a:rPr lang="ko-KR" altLang="en-US" sz="2400" dirty="0"/>
               <a:t>기법을 적용하는 방법을 소개할 예정</a:t>
             </a:r>
           </a:p>
@@ -3237,8 +4890,8 @@
         </p:nvGrpSpPr>
         <p:grpSpPr>
           <a:xfrm>
-            <a:off x="1907882" y="3978000"/>
-            <a:ext cx="5328237" cy="2880000"/>
+            <a:off x="1415412" y="3445624"/>
+            <a:ext cx="6313176" cy="3412376"/>
             <a:chOff x="1907882" y="3978000"/>
             <a:chExt cx="5328237" cy="2880000"/>
           </a:xfrm>
@@ -3424,58 +5077,50 @@
           <a:lstStyle/>
           <a:p>
             <a:r>
-              <a:rPr lang="en-US" altLang="ko-KR" dirty="0"/>
+              <a:rPr lang="en-US" altLang="ko-KR" sz="2400" dirty="0"/>
               <a:t>preprocess</a:t>
             </a:r>
             <a:r>
-              <a:rPr lang="ko-KR" altLang="en-US" dirty="0"/>
-              <a:t> 라는 </a:t>
-            </a:r>
-            <a:r>
-              <a:rPr lang="ko-KR" altLang="en-US" dirty="0" err="1"/>
-              <a:t>전처리</a:t>
-            </a:r>
-            <a:r>
-              <a:rPr lang="ko-KR" altLang="en-US" dirty="0"/>
-              <a:t> 함수를 생성</a:t>
-            </a:r>
-            <a:endParaRPr lang="en-US" altLang="ko-KR" dirty="0"/>
-          </a:p>
-          <a:p>
-            <a:r>
-              <a:rPr lang="ko-KR" altLang="en-US" dirty="0"/>
+              <a:rPr lang="ko-KR" altLang="en-US" sz="2400" dirty="0"/>
+              <a:t> 라는 표준화 함수를 생성</a:t>
+            </a:r>
+            <a:endParaRPr lang="en-US" altLang="ko-KR" sz="2400" dirty="0"/>
+          </a:p>
+          <a:p>
+            <a:r>
+              <a:rPr lang="ko-KR" altLang="en-US" sz="2400" dirty="0"/>
               <a:t>전제 조건</a:t>
             </a:r>
             <a:r>
-              <a:rPr lang="en-US" altLang="ko-KR" dirty="0"/>
+              <a:rPr lang="en-US" altLang="ko-KR" sz="2400" dirty="0"/>
               <a:t>: </a:t>
             </a:r>
             <a:r>
-              <a:rPr lang="ko-KR" altLang="en-US" dirty="0"/>
+              <a:rPr lang="ko-KR" altLang="en-US" sz="2400" dirty="0"/>
               <a:t>훈련 세트에 있는 각 특성의 통계치</a:t>
             </a:r>
             <a:r>
-              <a:rPr lang="en-US" altLang="ko-KR" dirty="0"/>
+              <a:rPr lang="en-US" altLang="ko-KR" sz="2400" dirty="0"/>
               <a:t>(</a:t>
             </a:r>
             <a:r>
-              <a:rPr lang="ko-KR" altLang="en-US" dirty="0"/>
+              <a:rPr lang="ko-KR" altLang="en-US" sz="2400" dirty="0"/>
               <a:t>평균</a:t>
             </a:r>
             <a:r>
-              <a:rPr lang="en-US" altLang="ko-KR" dirty="0"/>
+              <a:rPr lang="en-US" altLang="ko-KR" sz="2400" dirty="0"/>
               <a:t>, </a:t>
             </a:r>
             <a:r>
-              <a:rPr lang="ko-KR" altLang="en-US" dirty="0"/>
+              <a:rPr lang="ko-KR" altLang="en-US" sz="2400" dirty="0"/>
               <a:t>표준편차</a:t>
             </a:r>
             <a:r>
-              <a:rPr lang="en-US" altLang="ko-KR" dirty="0"/>
+              <a:rPr lang="en-US" altLang="ko-KR" sz="2400" dirty="0"/>
               <a:t>)</a:t>
             </a:r>
             <a:r>
-              <a:rPr lang="ko-KR" altLang="en-US" dirty="0"/>
+              <a:rPr lang="ko-KR" altLang="en-US" sz="2400" dirty="0"/>
               <a:t>를 알고 있어야 함</a:t>
             </a:r>
           </a:p>
@@ -3515,6 +5160,1826 @@
     <p:extLst>
       <p:ext uri="{BB962C8B-B14F-4D97-AF65-F5344CB8AC3E}">
         <p14:creationId xmlns:p14="http://schemas.microsoft.com/office/powerpoint/2010/main" val="708356739"/>
+      </p:ext>
+    </p:extLst>
+  </p:cSld>
+  <p:clrMapOvr>
+    <a:masterClrMapping/>
+  </p:clrMapOvr>
+</p:sld>
+</file>
+
+<file path=ppt/slides/slide4.xml><?xml version="1.0" encoding="utf-8"?>
+<p:sld xmlns:a="http://schemas.openxmlformats.org/drawingml/2006/main" xmlns:r="http://schemas.openxmlformats.org/officeDocument/2006/relationships" xmlns:p="http://schemas.openxmlformats.org/presentationml/2006/main">
+  <p:cSld>
+    <p:spTree>
+      <p:nvGrpSpPr>
+        <p:cNvPr id="1" name=""/>
+        <p:cNvGrpSpPr/>
+        <p:nvPr/>
+      </p:nvGrpSpPr>
+      <p:grpSpPr>
+        <a:xfrm>
+          <a:off x="0" y="0"/>
+          <a:ext cx="0" cy="0"/>
+          <a:chOff x="0" y="0"/>
+          <a:chExt cx="0" cy="0"/>
+        </a:xfrm>
+      </p:grpSpPr>
+      <p:sp>
+        <p:nvSpPr>
+          <p:cNvPr id="2" name="제목 1">
+            <a:extLst>
+              <a:ext uri="{FF2B5EF4-FFF2-40B4-BE49-F238E27FC236}">
+                <a16:creationId xmlns:a16="http://schemas.microsoft.com/office/drawing/2014/main" id="{E61AAEF0-04B2-4C88-9884-4AC35755CB73}"/>
+              </a:ext>
+            </a:extLst>
+          </p:cNvPr>
+          <p:cNvSpPr>
+            <a:spLocks noGrp="1"/>
+          </p:cNvSpPr>
+          <p:nvPr>
+            <p:ph type="title"/>
+          </p:nvPr>
+        </p:nvSpPr>
+        <p:spPr/>
+        <p:txBody>
+          <a:bodyPr>
+            <a:normAutofit/>
+          </a:bodyPr>
+          <a:lstStyle/>
+          <a:p>
+            <a:r>
+              <a:rPr lang="en-US" altLang="ko-KR" sz="3600" dirty="0"/>
+              <a:t>13.1.3. </a:t>
+            </a:r>
+            <a:r>
+              <a:rPr lang="ko-KR" altLang="en-US" sz="3600" dirty="0"/>
+              <a:t>데이터 </a:t>
+            </a:r>
+            <a:r>
+              <a:rPr lang="ko-KR" altLang="en-US" sz="3600" dirty="0" err="1"/>
+              <a:t>전처리</a:t>
+            </a:r>
+            <a:endParaRPr lang="ko-KR" altLang="en-US" sz="3600" dirty="0"/>
+          </a:p>
+        </p:txBody>
+      </p:sp>
+      <p:sp>
+        <p:nvSpPr>
+          <p:cNvPr id="3" name="내용 개체 틀 2">
+            <a:extLst>
+              <a:ext uri="{FF2B5EF4-FFF2-40B4-BE49-F238E27FC236}">
+                <a16:creationId xmlns:a16="http://schemas.microsoft.com/office/drawing/2014/main" id="{16DFE28D-00EF-4DDD-8052-D60AE572AE96}"/>
+              </a:ext>
+            </a:extLst>
+          </p:cNvPr>
+          <p:cNvSpPr>
+            <a:spLocks noGrp="1"/>
+          </p:cNvSpPr>
+          <p:nvPr>
+            <p:ph idx="1"/>
+          </p:nvPr>
+        </p:nvSpPr>
+        <p:spPr>
+          <a:xfrm>
+            <a:off x="628650" y="1825625"/>
+            <a:ext cx="7886700" cy="1440000"/>
+          </a:xfrm>
+        </p:spPr>
+        <p:txBody>
+          <a:bodyPr>
+            <a:normAutofit/>
+          </a:bodyPr>
+          <a:lstStyle/>
+          <a:p>
+            <a:r>
+              <a:rPr lang="en-US" altLang="ko-KR" sz="2400" dirty="0"/>
+              <a:t>preprocess</a:t>
+            </a:r>
+            <a:r>
+              <a:rPr lang="ko-KR" altLang="en-US" sz="2400" dirty="0"/>
+              <a:t> 라는 표준화 함수를 생성</a:t>
+            </a:r>
+            <a:endParaRPr lang="en-US" altLang="ko-KR" sz="2400" dirty="0"/>
+          </a:p>
+          <a:p>
+            <a:r>
+              <a:rPr lang="ko-KR" altLang="en-US" sz="2400" dirty="0"/>
+              <a:t>전제 조건</a:t>
+            </a:r>
+            <a:r>
+              <a:rPr lang="en-US" altLang="ko-KR" sz="2400" dirty="0"/>
+              <a:t>: </a:t>
+            </a:r>
+            <a:r>
+              <a:rPr lang="ko-KR" altLang="en-US" sz="2400" dirty="0"/>
+              <a:t>훈련 세트에 있는 각 특성의 통계치</a:t>
+            </a:r>
+            <a:r>
+              <a:rPr lang="en-US" altLang="ko-KR" sz="2400" dirty="0"/>
+              <a:t>(</a:t>
+            </a:r>
+            <a:r>
+              <a:rPr lang="ko-KR" altLang="en-US" sz="2400" dirty="0"/>
+              <a:t>평균</a:t>
+            </a:r>
+            <a:r>
+              <a:rPr lang="en-US" altLang="ko-KR" sz="2400" dirty="0"/>
+              <a:t>, </a:t>
+            </a:r>
+            <a:r>
+              <a:rPr lang="ko-KR" altLang="en-US" sz="2400" dirty="0"/>
+              <a:t>표준편차</a:t>
+            </a:r>
+            <a:r>
+              <a:rPr lang="en-US" altLang="ko-KR" sz="2400" dirty="0"/>
+              <a:t>)</a:t>
+            </a:r>
+            <a:r>
+              <a:rPr lang="ko-KR" altLang="en-US" sz="2400" dirty="0"/>
+              <a:t>를 알고 있어야 함</a:t>
+            </a:r>
+          </a:p>
+        </p:txBody>
+      </p:sp>
+      <p:pic>
+        <p:nvPicPr>
+          <p:cNvPr id="5" name="그림 4">
+            <a:extLst>
+              <a:ext uri="{FF2B5EF4-FFF2-40B4-BE49-F238E27FC236}">
+                <a16:creationId xmlns:a16="http://schemas.microsoft.com/office/drawing/2014/main" id="{58471F01-45CD-4BED-BDDB-F57D52D9E678}"/>
+              </a:ext>
+            </a:extLst>
+          </p:cNvPr>
+          <p:cNvPicPr>
+            <a:picLocks noChangeAspect="1"/>
+          </p:cNvPicPr>
+          <p:nvPr/>
+        </p:nvPicPr>
+        <p:blipFill>
+          <a:blip r:embed="rId2"/>
+          <a:stretch>
+            <a:fillRect/>
+          </a:stretch>
+        </p:blipFill>
+        <p:spPr>
+          <a:xfrm>
+            <a:off x="514350" y="3265625"/>
+            <a:ext cx="8115300" cy="3238500"/>
+          </a:xfrm>
+          <a:prstGeom prst="rect">
+            <a:avLst/>
+          </a:prstGeom>
+        </p:spPr>
+      </p:pic>
+      <p:sp>
+        <p:nvSpPr>
+          <p:cNvPr id="4" name="TextBox 3">
+            <a:extLst>
+              <a:ext uri="{FF2B5EF4-FFF2-40B4-BE49-F238E27FC236}">
+                <a16:creationId xmlns:a16="http://schemas.microsoft.com/office/drawing/2014/main" id="{A3F17A84-8799-4039-97EB-61576FA41E83}"/>
+              </a:ext>
+            </a:extLst>
+          </p:cNvPr>
+          <p:cNvSpPr txBox="1"/>
+          <p:nvPr/>
+        </p:nvSpPr>
+        <p:spPr>
+          <a:xfrm>
+            <a:off x="2338752" y="3657601"/>
+            <a:ext cx="2602523" cy="646331"/>
+          </a:xfrm>
+          <a:prstGeom prst="rect">
+            <a:avLst/>
+          </a:prstGeom>
+          <a:solidFill>
+            <a:schemeClr val="bg1"/>
+          </a:solidFill>
+          <a:ln w="38100">
+            <a:solidFill>
+              <a:srgbClr val="FF0000"/>
+            </a:solidFill>
+          </a:ln>
+        </p:spPr>
+        <p:txBody>
+          <a:bodyPr wrap="square" rtlCol="0">
+            <a:spAutoFit/>
+          </a:bodyPr>
+          <a:lstStyle/>
+          <a:p>
+            <a:r>
+              <a:rPr lang="en-US" altLang="ko-KR" dirty="0" err="1"/>
+              <a:t>X_mean</a:t>
+            </a:r>
+            <a:r>
+              <a:rPr lang="en-US" altLang="ko-KR" dirty="0"/>
+              <a:t> = [20, 21, …, 4]</a:t>
+            </a:r>
+          </a:p>
+          <a:p>
+            <a:r>
+              <a:rPr lang="en-US" altLang="ko-KR" dirty="0" err="1"/>
+              <a:t>X_std</a:t>
+            </a:r>
+            <a:r>
+              <a:rPr lang="en-US" altLang="ko-KR" dirty="0"/>
+              <a:t> = [10, 11, …, 0.5]</a:t>
+            </a:r>
+            <a:endParaRPr lang="ko-KR" altLang="en-US" dirty="0"/>
+          </a:p>
+        </p:txBody>
+      </p:sp>
+      <p:cxnSp>
+        <p:nvCxnSpPr>
+          <p:cNvPr id="7" name="직선 연결선 6">
+            <a:extLst>
+              <a:ext uri="{FF2B5EF4-FFF2-40B4-BE49-F238E27FC236}">
+                <a16:creationId xmlns:a16="http://schemas.microsoft.com/office/drawing/2014/main" id="{FFB84E3F-2B3F-4D76-BDD0-4D472C73D9C9}"/>
+              </a:ext>
+            </a:extLst>
+          </p:cNvPr>
+          <p:cNvCxnSpPr/>
+          <p:nvPr/>
+        </p:nvCxnSpPr>
+        <p:spPr>
+          <a:xfrm>
+            <a:off x="540726" y="3657601"/>
+            <a:ext cx="1648558" cy="0"/>
+          </a:xfrm>
+          <a:prstGeom prst="line">
+            <a:avLst/>
+          </a:prstGeom>
+          <a:ln w="38100">
+            <a:solidFill>
+              <a:srgbClr val="FF0000"/>
+            </a:solidFill>
+          </a:ln>
+        </p:spPr>
+        <p:style>
+          <a:lnRef idx="1">
+            <a:schemeClr val="accent1"/>
+          </a:lnRef>
+          <a:fillRef idx="0">
+            <a:schemeClr val="accent1"/>
+          </a:fillRef>
+          <a:effectRef idx="0">
+            <a:schemeClr val="accent1"/>
+          </a:effectRef>
+          <a:fontRef idx="minor">
+            <a:schemeClr val="tx1"/>
+          </a:fontRef>
+        </p:style>
+      </p:cxnSp>
+    </p:spTree>
+    <p:extLst>
+      <p:ext uri="{BB962C8B-B14F-4D97-AF65-F5344CB8AC3E}">
+        <p14:creationId xmlns:p14="http://schemas.microsoft.com/office/powerpoint/2010/main" val="1789632895"/>
+      </p:ext>
+    </p:extLst>
+  </p:cSld>
+  <p:clrMapOvr>
+    <a:masterClrMapping/>
+  </p:clrMapOvr>
+</p:sld>
+</file>
+
+<file path=ppt/slides/slide5.xml><?xml version="1.0" encoding="utf-8"?>
+<p:sld xmlns:a="http://schemas.openxmlformats.org/drawingml/2006/main" xmlns:r="http://schemas.openxmlformats.org/officeDocument/2006/relationships" xmlns:p="http://schemas.openxmlformats.org/presentationml/2006/main">
+  <p:cSld>
+    <p:spTree>
+      <p:nvGrpSpPr>
+        <p:cNvPr id="1" name=""/>
+        <p:cNvGrpSpPr/>
+        <p:nvPr/>
+      </p:nvGrpSpPr>
+      <p:grpSpPr>
+        <a:xfrm>
+          <a:off x="0" y="0"/>
+          <a:ext cx="0" cy="0"/>
+          <a:chOff x="0" y="0"/>
+          <a:chExt cx="0" cy="0"/>
+        </a:xfrm>
+      </p:grpSpPr>
+      <p:sp>
+        <p:nvSpPr>
+          <p:cNvPr id="2" name="제목 1">
+            <a:extLst>
+              <a:ext uri="{FF2B5EF4-FFF2-40B4-BE49-F238E27FC236}">
+                <a16:creationId xmlns:a16="http://schemas.microsoft.com/office/drawing/2014/main" id="{E61AAEF0-04B2-4C88-9884-4AC35755CB73}"/>
+              </a:ext>
+            </a:extLst>
+          </p:cNvPr>
+          <p:cNvSpPr>
+            <a:spLocks noGrp="1"/>
+          </p:cNvSpPr>
+          <p:nvPr>
+            <p:ph type="title"/>
+          </p:nvPr>
+        </p:nvSpPr>
+        <p:spPr/>
+        <p:txBody>
+          <a:bodyPr>
+            <a:normAutofit/>
+          </a:bodyPr>
+          <a:lstStyle/>
+          <a:p>
+            <a:r>
+              <a:rPr lang="en-US" altLang="ko-KR" sz="3600" dirty="0"/>
+              <a:t>13.1.3. </a:t>
+            </a:r>
+            <a:r>
+              <a:rPr lang="ko-KR" altLang="en-US" sz="3600" dirty="0"/>
+              <a:t>데이터 </a:t>
+            </a:r>
+            <a:r>
+              <a:rPr lang="ko-KR" altLang="en-US" sz="3600" dirty="0" err="1"/>
+              <a:t>전처리</a:t>
+            </a:r>
+            <a:endParaRPr lang="ko-KR" altLang="en-US" sz="3600" dirty="0"/>
+          </a:p>
+        </p:txBody>
+      </p:sp>
+      <p:sp>
+        <p:nvSpPr>
+          <p:cNvPr id="3" name="내용 개체 틀 2">
+            <a:extLst>
+              <a:ext uri="{FF2B5EF4-FFF2-40B4-BE49-F238E27FC236}">
+                <a16:creationId xmlns:a16="http://schemas.microsoft.com/office/drawing/2014/main" id="{16DFE28D-00EF-4DDD-8052-D60AE572AE96}"/>
+              </a:ext>
+            </a:extLst>
+          </p:cNvPr>
+          <p:cNvSpPr>
+            <a:spLocks noGrp="1"/>
+          </p:cNvSpPr>
+          <p:nvPr>
+            <p:ph idx="1"/>
+          </p:nvPr>
+        </p:nvSpPr>
+        <p:spPr>
+          <a:xfrm>
+            <a:off x="628650" y="1825625"/>
+            <a:ext cx="7886700" cy="1440000"/>
+          </a:xfrm>
+        </p:spPr>
+        <p:txBody>
+          <a:bodyPr>
+            <a:normAutofit/>
+          </a:bodyPr>
+          <a:lstStyle/>
+          <a:p>
+            <a:r>
+              <a:rPr lang="en-US" altLang="ko-KR" sz="2400" dirty="0"/>
+              <a:t>preprocess</a:t>
+            </a:r>
+            <a:r>
+              <a:rPr lang="ko-KR" altLang="en-US" sz="2400" dirty="0"/>
+              <a:t> 라는 표준화 함수를 생성</a:t>
+            </a:r>
+            <a:endParaRPr lang="en-US" altLang="ko-KR" sz="2400" dirty="0"/>
+          </a:p>
+          <a:p>
+            <a:r>
+              <a:rPr lang="ko-KR" altLang="en-US" sz="2400" dirty="0"/>
+              <a:t>전제 조건</a:t>
+            </a:r>
+            <a:r>
+              <a:rPr lang="en-US" altLang="ko-KR" sz="2400" dirty="0"/>
+              <a:t>: </a:t>
+            </a:r>
+            <a:r>
+              <a:rPr lang="ko-KR" altLang="en-US" sz="2400" dirty="0"/>
+              <a:t>훈련 세트에 있는 각 특성의 통계치</a:t>
+            </a:r>
+            <a:r>
+              <a:rPr lang="en-US" altLang="ko-KR" sz="2400" dirty="0"/>
+              <a:t>(</a:t>
+            </a:r>
+            <a:r>
+              <a:rPr lang="ko-KR" altLang="en-US" sz="2400" dirty="0"/>
+              <a:t>평균</a:t>
+            </a:r>
+            <a:r>
+              <a:rPr lang="en-US" altLang="ko-KR" sz="2400" dirty="0"/>
+              <a:t>, </a:t>
+            </a:r>
+            <a:r>
+              <a:rPr lang="ko-KR" altLang="en-US" sz="2400" dirty="0"/>
+              <a:t>표준편차</a:t>
+            </a:r>
+            <a:r>
+              <a:rPr lang="en-US" altLang="ko-KR" sz="2400" dirty="0"/>
+              <a:t>)</a:t>
+            </a:r>
+            <a:r>
+              <a:rPr lang="ko-KR" altLang="en-US" sz="2400" dirty="0"/>
+              <a:t>를 알고 있어야 함</a:t>
+            </a:r>
+          </a:p>
+        </p:txBody>
+      </p:sp>
+      <p:pic>
+        <p:nvPicPr>
+          <p:cNvPr id="5" name="그림 4">
+            <a:extLst>
+              <a:ext uri="{FF2B5EF4-FFF2-40B4-BE49-F238E27FC236}">
+                <a16:creationId xmlns:a16="http://schemas.microsoft.com/office/drawing/2014/main" id="{58471F01-45CD-4BED-BDDB-F57D52D9E678}"/>
+              </a:ext>
+            </a:extLst>
+          </p:cNvPr>
+          <p:cNvPicPr>
+            <a:picLocks noChangeAspect="1"/>
+          </p:cNvPicPr>
+          <p:nvPr/>
+        </p:nvPicPr>
+        <p:blipFill>
+          <a:blip r:embed="rId2"/>
+          <a:stretch>
+            <a:fillRect/>
+          </a:stretch>
+        </p:blipFill>
+        <p:spPr>
+          <a:xfrm>
+            <a:off x="514350" y="3265625"/>
+            <a:ext cx="8115300" cy="3238500"/>
+          </a:xfrm>
+          <a:prstGeom prst="rect">
+            <a:avLst/>
+          </a:prstGeom>
+        </p:spPr>
+      </p:pic>
+      <p:cxnSp>
+        <p:nvCxnSpPr>
+          <p:cNvPr id="7" name="직선 연결선 6">
+            <a:extLst>
+              <a:ext uri="{FF2B5EF4-FFF2-40B4-BE49-F238E27FC236}">
+                <a16:creationId xmlns:a16="http://schemas.microsoft.com/office/drawing/2014/main" id="{FFB84E3F-2B3F-4D76-BDD0-4D472C73D9C9}"/>
+              </a:ext>
+            </a:extLst>
+          </p:cNvPr>
+          <p:cNvCxnSpPr>
+            <a:cxnSpLocks/>
+          </p:cNvCxnSpPr>
+          <p:nvPr/>
+        </p:nvCxnSpPr>
+        <p:spPr>
+          <a:xfrm>
+            <a:off x="2325564" y="4721470"/>
+            <a:ext cx="575898" cy="0"/>
+          </a:xfrm>
+          <a:prstGeom prst="line">
+            <a:avLst/>
+          </a:prstGeom>
+          <a:ln w="38100">
+            <a:solidFill>
+              <a:srgbClr val="FF0000"/>
+            </a:solidFill>
+          </a:ln>
+        </p:spPr>
+        <p:style>
+          <a:lnRef idx="1">
+            <a:schemeClr val="accent1"/>
+          </a:lnRef>
+          <a:fillRef idx="0">
+            <a:schemeClr val="accent1"/>
+          </a:fillRef>
+          <a:effectRef idx="0">
+            <a:schemeClr val="accent1"/>
+          </a:effectRef>
+          <a:fontRef idx="minor">
+            <a:schemeClr val="tx1"/>
+          </a:fontRef>
+        </p:style>
+      </p:cxnSp>
+      <p:pic>
+        <p:nvPicPr>
+          <p:cNvPr id="9" name="그림 8">
+            <a:extLst>
+              <a:ext uri="{FF2B5EF4-FFF2-40B4-BE49-F238E27FC236}">
+                <a16:creationId xmlns:a16="http://schemas.microsoft.com/office/drawing/2014/main" id="{B92FC2A1-38FE-4BA1-AC10-5B25B0C3E057}"/>
+              </a:ext>
+            </a:extLst>
+          </p:cNvPr>
+          <p:cNvPicPr>
+            <a:picLocks noChangeAspect="1"/>
+          </p:cNvPicPr>
+          <p:nvPr/>
+        </p:nvPicPr>
+        <p:blipFill>
+          <a:blip r:embed="rId3"/>
+          <a:stretch>
+            <a:fillRect/>
+          </a:stretch>
+        </p:blipFill>
+        <p:spPr>
+          <a:xfrm>
+            <a:off x="2325564" y="4128721"/>
+            <a:ext cx="5400000" cy="203774"/>
+          </a:xfrm>
+          <a:prstGeom prst="rect">
+            <a:avLst/>
+          </a:prstGeom>
+          <a:ln w="38100">
+            <a:solidFill>
+              <a:srgbClr val="FF0000"/>
+            </a:solidFill>
+          </a:ln>
+        </p:spPr>
+      </p:pic>
+    </p:spTree>
+    <p:extLst>
+      <p:ext uri="{BB962C8B-B14F-4D97-AF65-F5344CB8AC3E}">
+        <p14:creationId xmlns:p14="http://schemas.microsoft.com/office/powerpoint/2010/main" val="104325172"/>
+      </p:ext>
+    </p:extLst>
+  </p:cSld>
+  <p:clrMapOvr>
+    <a:masterClrMapping/>
+  </p:clrMapOvr>
+</p:sld>
+</file>
+
+<file path=ppt/slides/slide6.xml><?xml version="1.0" encoding="utf-8"?>
+<p:sld xmlns:a="http://schemas.openxmlformats.org/drawingml/2006/main" xmlns:r="http://schemas.openxmlformats.org/officeDocument/2006/relationships" xmlns:p="http://schemas.openxmlformats.org/presentationml/2006/main">
+  <p:cSld>
+    <p:spTree>
+      <p:nvGrpSpPr>
+        <p:cNvPr id="1" name=""/>
+        <p:cNvGrpSpPr/>
+        <p:nvPr/>
+      </p:nvGrpSpPr>
+      <p:grpSpPr>
+        <a:xfrm>
+          <a:off x="0" y="0"/>
+          <a:ext cx="0" cy="0"/>
+          <a:chOff x="0" y="0"/>
+          <a:chExt cx="0" cy="0"/>
+        </a:xfrm>
+      </p:grpSpPr>
+      <p:sp>
+        <p:nvSpPr>
+          <p:cNvPr id="2" name="제목 1">
+            <a:extLst>
+              <a:ext uri="{FF2B5EF4-FFF2-40B4-BE49-F238E27FC236}">
+                <a16:creationId xmlns:a16="http://schemas.microsoft.com/office/drawing/2014/main" id="{E61AAEF0-04B2-4C88-9884-4AC35755CB73}"/>
+              </a:ext>
+            </a:extLst>
+          </p:cNvPr>
+          <p:cNvSpPr>
+            <a:spLocks noGrp="1"/>
+          </p:cNvSpPr>
+          <p:nvPr>
+            <p:ph type="title"/>
+          </p:nvPr>
+        </p:nvSpPr>
+        <p:spPr/>
+        <p:txBody>
+          <a:bodyPr>
+            <a:normAutofit/>
+          </a:bodyPr>
+          <a:lstStyle/>
+          <a:p>
+            <a:r>
+              <a:rPr lang="en-US" altLang="ko-KR" sz="3600" dirty="0"/>
+              <a:t>13.1.3. </a:t>
+            </a:r>
+            <a:r>
+              <a:rPr lang="ko-KR" altLang="en-US" sz="3600" dirty="0"/>
+              <a:t>데이터 </a:t>
+            </a:r>
+            <a:r>
+              <a:rPr lang="ko-KR" altLang="en-US" sz="3600" dirty="0" err="1"/>
+              <a:t>전처리</a:t>
+            </a:r>
+            <a:endParaRPr lang="ko-KR" altLang="en-US" sz="3600" dirty="0"/>
+          </a:p>
+        </p:txBody>
+      </p:sp>
+      <p:sp>
+        <p:nvSpPr>
+          <p:cNvPr id="3" name="내용 개체 틀 2">
+            <a:extLst>
+              <a:ext uri="{FF2B5EF4-FFF2-40B4-BE49-F238E27FC236}">
+                <a16:creationId xmlns:a16="http://schemas.microsoft.com/office/drawing/2014/main" id="{16DFE28D-00EF-4DDD-8052-D60AE572AE96}"/>
+              </a:ext>
+            </a:extLst>
+          </p:cNvPr>
+          <p:cNvSpPr>
+            <a:spLocks noGrp="1"/>
+          </p:cNvSpPr>
+          <p:nvPr>
+            <p:ph idx="1"/>
+          </p:nvPr>
+        </p:nvSpPr>
+        <p:spPr>
+          <a:xfrm>
+            <a:off x="628650" y="1825625"/>
+            <a:ext cx="7886700" cy="1440000"/>
+          </a:xfrm>
+        </p:spPr>
+        <p:txBody>
+          <a:bodyPr>
+            <a:normAutofit/>
+          </a:bodyPr>
+          <a:lstStyle/>
+          <a:p>
+            <a:r>
+              <a:rPr lang="en-US" altLang="ko-KR" sz="2400" dirty="0"/>
+              <a:t>preprocess</a:t>
+            </a:r>
+            <a:r>
+              <a:rPr lang="ko-KR" altLang="en-US" sz="2400" dirty="0"/>
+              <a:t> 라는 표준화 함수를 생성</a:t>
+            </a:r>
+            <a:endParaRPr lang="en-US" altLang="ko-KR" sz="2400" dirty="0"/>
+          </a:p>
+          <a:p>
+            <a:r>
+              <a:rPr lang="ko-KR" altLang="en-US" sz="2400" dirty="0"/>
+              <a:t>전제 조건</a:t>
+            </a:r>
+            <a:r>
+              <a:rPr lang="en-US" altLang="ko-KR" sz="2400" dirty="0"/>
+              <a:t>: </a:t>
+            </a:r>
+            <a:r>
+              <a:rPr lang="ko-KR" altLang="en-US" sz="2400" dirty="0"/>
+              <a:t>훈련 세트에 있는 각 특성의 통계치</a:t>
+            </a:r>
+            <a:r>
+              <a:rPr lang="en-US" altLang="ko-KR" sz="2400" dirty="0"/>
+              <a:t>(</a:t>
+            </a:r>
+            <a:r>
+              <a:rPr lang="ko-KR" altLang="en-US" sz="2400" dirty="0"/>
+              <a:t>평균</a:t>
+            </a:r>
+            <a:r>
+              <a:rPr lang="en-US" altLang="ko-KR" sz="2400" dirty="0"/>
+              <a:t>, </a:t>
+            </a:r>
+            <a:r>
+              <a:rPr lang="ko-KR" altLang="en-US" sz="2400" dirty="0"/>
+              <a:t>표준편차</a:t>
+            </a:r>
+            <a:r>
+              <a:rPr lang="en-US" altLang="ko-KR" sz="2400" dirty="0"/>
+              <a:t>)</a:t>
+            </a:r>
+            <a:r>
+              <a:rPr lang="ko-KR" altLang="en-US" sz="2400" dirty="0"/>
+              <a:t>를 알고 있어야 함</a:t>
+            </a:r>
+          </a:p>
+        </p:txBody>
+      </p:sp>
+      <p:pic>
+        <p:nvPicPr>
+          <p:cNvPr id="5" name="그림 4">
+            <a:extLst>
+              <a:ext uri="{FF2B5EF4-FFF2-40B4-BE49-F238E27FC236}">
+                <a16:creationId xmlns:a16="http://schemas.microsoft.com/office/drawing/2014/main" id="{58471F01-45CD-4BED-BDDB-F57D52D9E678}"/>
+              </a:ext>
+            </a:extLst>
+          </p:cNvPr>
+          <p:cNvPicPr>
+            <a:picLocks noChangeAspect="1"/>
+          </p:cNvPicPr>
+          <p:nvPr/>
+        </p:nvPicPr>
+        <p:blipFill>
+          <a:blip r:embed="rId2"/>
+          <a:stretch>
+            <a:fillRect/>
+          </a:stretch>
+        </p:blipFill>
+        <p:spPr>
+          <a:xfrm>
+            <a:off x="514350" y="3265625"/>
+            <a:ext cx="8115300" cy="3238500"/>
+          </a:xfrm>
+          <a:prstGeom prst="rect">
+            <a:avLst/>
+          </a:prstGeom>
+        </p:spPr>
+      </p:pic>
+      <p:cxnSp>
+        <p:nvCxnSpPr>
+          <p:cNvPr id="7" name="직선 연결선 6">
+            <a:extLst>
+              <a:ext uri="{FF2B5EF4-FFF2-40B4-BE49-F238E27FC236}">
+                <a16:creationId xmlns:a16="http://schemas.microsoft.com/office/drawing/2014/main" id="{55D422C3-BACB-4686-B787-00F138CB3F6F}"/>
+              </a:ext>
+            </a:extLst>
+          </p:cNvPr>
+          <p:cNvCxnSpPr>
+            <a:cxnSpLocks/>
+          </p:cNvCxnSpPr>
+          <p:nvPr/>
+        </p:nvCxnSpPr>
+        <p:spPr>
+          <a:xfrm>
+            <a:off x="813288" y="5090747"/>
+            <a:ext cx="7143750" cy="0"/>
+          </a:xfrm>
+          <a:prstGeom prst="line">
+            <a:avLst/>
+          </a:prstGeom>
+          <a:ln w="38100">
+            <a:solidFill>
+              <a:srgbClr val="FF0000"/>
+            </a:solidFill>
+          </a:ln>
+        </p:spPr>
+        <p:style>
+          <a:lnRef idx="1">
+            <a:schemeClr val="accent1"/>
+          </a:lnRef>
+          <a:fillRef idx="0">
+            <a:schemeClr val="accent1"/>
+          </a:fillRef>
+          <a:effectRef idx="0">
+            <a:schemeClr val="accent1"/>
+          </a:effectRef>
+          <a:fontRef idx="minor">
+            <a:schemeClr val="tx1"/>
+          </a:fontRef>
+        </p:style>
+      </p:cxnSp>
+      <p:grpSp>
+        <p:nvGrpSpPr>
+          <p:cNvPr id="10" name="그룹 9">
+            <a:extLst>
+              <a:ext uri="{FF2B5EF4-FFF2-40B4-BE49-F238E27FC236}">
+                <a16:creationId xmlns:a16="http://schemas.microsoft.com/office/drawing/2014/main" id="{2D825806-0DE5-4C8B-BD24-EA7FD0E2FDB0}"/>
+              </a:ext>
+            </a:extLst>
+          </p:cNvPr>
+          <p:cNvGrpSpPr/>
+          <p:nvPr/>
+        </p:nvGrpSpPr>
+        <p:grpSpPr>
+          <a:xfrm>
+            <a:off x="3220232" y="1745183"/>
+            <a:ext cx="5711048" cy="2880000"/>
+            <a:chOff x="3220232" y="1745183"/>
+            <a:chExt cx="5711048" cy="2880000"/>
+          </a:xfrm>
+        </p:grpSpPr>
+        <p:pic>
+          <p:nvPicPr>
+            <p:cNvPr id="6" name="그림 5">
+              <a:extLst>
+                <a:ext uri="{FF2B5EF4-FFF2-40B4-BE49-F238E27FC236}">
+                  <a16:creationId xmlns:a16="http://schemas.microsoft.com/office/drawing/2014/main" id="{78A8DCB4-DF04-419D-8194-8FAA85A0E70F}"/>
+                </a:ext>
+              </a:extLst>
+            </p:cNvPr>
+            <p:cNvPicPr>
+              <a:picLocks noChangeAspect="1"/>
+            </p:cNvPicPr>
+            <p:nvPr/>
+          </p:nvPicPr>
+          <p:blipFill>
+            <a:blip r:embed="rId3"/>
+            <a:stretch>
+              <a:fillRect/>
+            </a:stretch>
+          </p:blipFill>
+          <p:spPr>
+            <a:xfrm>
+              <a:off x="3220232" y="1745183"/>
+              <a:ext cx="5711048" cy="2880000"/>
+            </a:xfrm>
+            <a:prstGeom prst="rect">
+              <a:avLst/>
+            </a:prstGeom>
+            <a:ln w="38100">
+              <a:solidFill>
+                <a:srgbClr val="FF0000"/>
+              </a:solidFill>
+            </a:ln>
+          </p:spPr>
+        </p:pic>
+        <p:sp>
+          <p:nvSpPr>
+            <p:cNvPr id="9" name="TextBox 8">
+              <a:extLst>
+                <a:ext uri="{FF2B5EF4-FFF2-40B4-BE49-F238E27FC236}">
+                  <a16:creationId xmlns:a16="http://schemas.microsoft.com/office/drawing/2014/main" id="{0304F8A0-9A90-403D-BBCA-408100DEDCC8}"/>
+                </a:ext>
+              </a:extLst>
+            </p:cNvPr>
+            <p:cNvSpPr txBox="1"/>
+            <p:nvPr/>
+          </p:nvSpPr>
+          <p:spPr>
+            <a:xfrm>
+              <a:off x="5389684" y="2139603"/>
+              <a:ext cx="3464170" cy="276999"/>
+            </a:xfrm>
+            <a:prstGeom prst="rect">
+              <a:avLst/>
+            </a:prstGeom>
+            <a:solidFill>
+              <a:schemeClr val="bg1"/>
+            </a:solidFill>
+            <a:ln>
+              <a:solidFill>
+                <a:schemeClr val="tx1"/>
+              </a:solidFill>
+            </a:ln>
+          </p:spPr>
+          <p:txBody>
+            <a:bodyPr wrap="square" rtlCol="0">
+              <a:spAutoFit/>
+            </a:bodyPr>
+            <a:lstStyle/>
+            <a:p>
+              <a:r>
+                <a:rPr lang="ko-KR" altLang="en-US" sz="1200" dirty="0"/>
+                <a:t>↑기본값 없음</a:t>
+              </a:r>
+              <a:r>
+                <a:rPr lang="en-US" altLang="ko-KR" sz="1200" dirty="0"/>
+                <a:t>(</a:t>
+              </a:r>
+              <a:r>
+                <a:rPr lang="ko-KR" altLang="en-US" sz="1200" dirty="0"/>
+                <a:t>만약 누락된 값이 입력되면 에러 발생</a:t>
+              </a:r>
+              <a:r>
+                <a:rPr lang="en-US" altLang="ko-KR" sz="1200" dirty="0"/>
+                <a:t>)</a:t>
+              </a:r>
+              <a:endParaRPr lang="ko-KR" altLang="en-US" sz="1200" dirty="0"/>
+            </a:p>
+          </p:txBody>
+        </p:sp>
+      </p:grpSp>
+    </p:spTree>
+    <p:extLst>
+      <p:ext uri="{BB962C8B-B14F-4D97-AF65-F5344CB8AC3E}">
+        <p14:creationId xmlns:p14="http://schemas.microsoft.com/office/powerpoint/2010/main" val="2085243575"/>
+      </p:ext>
+    </p:extLst>
+  </p:cSld>
+  <p:clrMapOvr>
+    <a:masterClrMapping/>
+  </p:clrMapOvr>
+</p:sld>
+</file>
+
+<file path=ppt/slides/slide7.xml><?xml version="1.0" encoding="utf-8"?>
+<p:sld xmlns:a="http://schemas.openxmlformats.org/drawingml/2006/main" xmlns:r="http://schemas.openxmlformats.org/officeDocument/2006/relationships" xmlns:p="http://schemas.openxmlformats.org/presentationml/2006/main">
+  <p:cSld>
+    <p:spTree>
+      <p:nvGrpSpPr>
+        <p:cNvPr id="1" name=""/>
+        <p:cNvGrpSpPr/>
+        <p:nvPr/>
+      </p:nvGrpSpPr>
+      <p:grpSpPr>
+        <a:xfrm>
+          <a:off x="0" y="0"/>
+          <a:ext cx="0" cy="0"/>
+          <a:chOff x="0" y="0"/>
+          <a:chExt cx="0" cy="0"/>
+        </a:xfrm>
+      </p:grpSpPr>
+      <p:sp>
+        <p:nvSpPr>
+          <p:cNvPr id="2" name="제목 1">
+            <a:extLst>
+              <a:ext uri="{FF2B5EF4-FFF2-40B4-BE49-F238E27FC236}">
+                <a16:creationId xmlns:a16="http://schemas.microsoft.com/office/drawing/2014/main" id="{E61AAEF0-04B2-4C88-9884-4AC35755CB73}"/>
+              </a:ext>
+            </a:extLst>
+          </p:cNvPr>
+          <p:cNvSpPr>
+            <a:spLocks noGrp="1"/>
+          </p:cNvSpPr>
+          <p:nvPr>
+            <p:ph type="title"/>
+          </p:nvPr>
+        </p:nvSpPr>
+        <p:spPr/>
+        <p:txBody>
+          <a:bodyPr>
+            <a:normAutofit/>
+          </a:bodyPr>
+          <a:lstStyle/>
+          <a:p>
+            <a:r>
+              <a:rPr lang="en-US" altLang="ko-KR" sz="3600" dirty="0"/>
+              <a:t>13.1.3. </a:t>
+            </a:r>
+            <a:r>
+              <a:rPr lang="ko-KR" altLang="en-US" sz="3600" dirty="0"/>
+              <a:t>데이터 </a:t>
+            </a:r>
+            <a:r>
+              <a:rPr lang="ko-KR" altLang="en-US" sz="3600" dirty="0" err="1"/>
+              <a:t>전처리</a:t>
+            </a:r>
+            <a:endParaRPr lang="ko-KR" altLang="en-US" sz="3600" dirty="0"/>
+          </a:p>
+        </p:txBody>
+      </p:sp>
+      <p:sp>
+        <p:nvSpPr>
+          <p:cNvPr id="3" name="내용 개체 틀 2">
+            <a:extLst>
+              <a:ext uri="{FF2B5EF4-FFF2-40B4-BE49-F238E27FC236}">
+                <a16:creationId xmlns:a16="http://schemas.microsoft.com/office/drawing/2014/main" id="{16DFE28D-00EF-4DDD-8052-D60AE572AE96}"/>
+              </a:ext>
+            </a:extLst>
+          </p:cNvPr>
+          <p:cNvSpPr>
+            <a:spLocks noGrp="1"/>
+          </p:cNvSpPr>
+          <p:nvPr>
+            <p:ph idx="1"/>
+          </p:nvPr>
+        </p:nvSpPr>
+        <p:spPr>
+          <a:xfrm>
+            <a:off x="628650" y="1825625"/>
+            <a:ext cx="7886700" cy="1440000"/>
+          </a:xfrm>
+        </p:spPr>
+        <p:txBody>
+          <a:bodyPr>
+            <a:normAutofit/>
+          </a:bodyPr>
+          <a:lstStyle/>
+          <a:p>
+            <a:r>
+              <a:rPr lang="en-US" altLang="ko-KR" sz="2400" dirty="0"/>
+              <a:t>preprocess</a:t>
+            </a:r>
+            <a:r>
+              <a:rPr lang="ko-KR" altLang="en-US" sz="2400" dirty="0"/>
+              <a:t> 라는 표준화 함수를 생성</a:t>
+            </a:r>
+            <a:endParaRPr lang="en-US" altLang="ko-KR" sz="2400" dirty="0"/>
+          </a:p>
+          <a:p>
+            <a:r>
+              <a:rPr lang="ko-KR" altLang="en-US" sz="2400" dirty="0"/>
+              <a:t>전제 조건</a:t>
+            </a:r>
+            <a:r>
+              <a:rPr lang="en-US" altLang="ko-KR" sz="2400" dirty="0"/>
+              <a:t>: </a:t>
+            </a:r>
+            <a:r>
+              <a:rPr lang="ko-KR" altLang="en-US" sz="2400" dirty="0"/>
+              <a:t>훈련 세트에 있는 각 특성의 통계치</a:t>
+            </a:r>
+            <a:r>
+              <a:rPr lang="en-US" altLang="ko-KR" sz="2400" dirty="0"/>
+              <a:t>(</a:t>
+            </a:r>
+            <a:r>
+              <a:rPr lang="ko-KR" altLang="en-US" sz="2400" dirty="0"/>
+              <a:t>평균</a:t>
+            </a:r>
+            <a:r>
+              <a:rPr lang="en-US" altLang="ko-KR" sz="2400" dirty="0"/>
+              <a:t>, </a:t>
+            </a:r>
+            <a:r>
+              <a:rPr lang="ko-KR" altLang="en-US" sz="2400" dirty="0"/>
+              <a:t>표준편차</a:t>
+            </a:r>
+            <a:r>
+              <a:rPr lang="en-US" altLang="ko-KR" sz="2400" dirty="0"/>
+              <a:t>)</a:t>
+            </a:r>
+            <a:r>
+              <a:rPr lang="ko-KR" altLang="en-US" sz="2400" dirty="0"/>
+              <a:t>를 알고 있어야 함</a:t>
+            </a:r>
+          </a:p>
+        </p:txBody>
+      </p:sp>
+      <p:pic>
+        <p:nvPicPr>
+          <p:cNvPr id="5" name="그림 4">
+            <a:extLst>
+              <a:ext uri="{FF2B5EF4-FFF2-40B4-BE49-F238E27FC236}">
+                <a16:creationId xmlns:a16="http://schemas.microsoft.com/office/drawing/2014/main" id="{58471F01-45CD-4BED-BDDB-F57D52D9E678}"/>
+              </a:ext>
+            </a:extLst>
+          </p:cNvPr>
+          <p:cNvPicPr>
+            <a:picLocks noChangeAspect="1"/>
+          </p:cNvPicPr>
+          <p:nvPr/>
+        </p:nvPicPr>
+        <p:blipFill>
+          <a:blip r:embed="rId2"/>
+          <a:stretch>
+            <a:fillRect/>
+          </a:stretch>
+        </p:blipFill>
+        <p:spPr>
+          <a:xfrm>
+            <a:off x="514350" y="3265625"/>
+            <a:ext cx="8115300" cy="3238500"/>
+          </a:xfrm>
+          <a:prstGeom prst="rect">
+            <a:avLst/>
+          </a:prstGeom>
+        </p:spPr>
+      </p:pic>
+      <p:cxnSp>
+        <p:nvCxnSpPr>
+          <p:cNvPr id="8" name="직선 연결선 7">
+            <a:extLst>
+              <a:ext uri="{FF2B5EF4-FFF2-40B4-BE49-F238E27FC236}">
+                <a16:creationId xmlns:a16="http://schemas.microsoft.com/office/drawing/2014/main" id="{5772E718-C038-43F4-B454-2A90BD45355A}"/>
+              </a:ext>
+            </a:extLst>
+          </p:cNvPr>
+          <p:cNvCxnSpPr>
+            <a:cxnSpLocks/>
+          </p:cNvCxnSpPr>
+          <p:nvPr/>
+        </p:nvCxnSpPr>
+        <p:spPr>
+          <a:xfrm>
+            <a:off x="2325564" y="4721470"/>
+            <a:ext cx="575898" cy="0"/>
+          </a:xfrm>
+          <a:prstGeom prst="line">
+            <a:avLst/>
+          </a:prstGeom>
+          <a:ln w="38100">
+            <a:solidFill>
+              <a:srgbClr val="FF0000"/>
+            </a:solidFill>
+          </a:ln>
+        </p:spPr>
+        <p:style>
+          <a:lnRef idx="1">
+            <a:schemeClr val="accent1"/>
+          </a:lnRef>
+          <a:fillRef idx="0">
+            <a:schemeClr val="accent1"/>
+          </a:fillRef>
+          <a:effectRef idx="0">
+            <a:schemeClr val="accent1"/>
+          </a:effectRef>
+          <a:fontRef idx="minor">
+            <a:schemeClr val="tx1"/>
+          </a:fontRef>
+        </p:style>
+      </p:cxnSp>
+      <p:pic>
+        <p:nvPicPr>
+          <p:cNvPr id="10" name="그림 9">
+            <a:extLst>
+              <a:ext uri="{FF2B5EF4-FFF2-40B4-BE49-F238E27FC236}">
+                <a16:creationId xmlns:a16="http://schemas.microsoft.com/office/drawing/2014/main" id="{D976478D-84F1-4711-A074-39DCC9BE3C30}"/>
+              </a:ext>
+            </a:extLst>
+          </p:cNvPr>
+          <p:cNvPicPr>
+            <a:picLocks noChangeAspect="1"/>
+          </p:cNvPicPr>
+          <p:nvPr/>
+        </p:nvPicPr>
+        <p:blipFill>
+          <a:blip r:embed="rId3"/>
+          <a:stretch>
+            <a:fillRect/>
+          </a:stretch>
+        </p:blipFill>
+        <p:spPr>
+          <a:xfrm>
+            <a:off x="2325564" y="4128721"/>
+            <a:ext cx="5400000" cy="203774"/>
+          </a:xfrm>
+          <a:prstGeom prst="rect">
+            <a:avLst/>
+          </a:prstGeom>
+          <a:ln w="38100">
+            <a:solidFill>
+              <a:srgbClr val="FF0000"/>
+            </a:solidFill>
+          </a:ln>
+        </p:spPr>
+      </p:pic>
+      <p:sp>
+        <p:nvSpPr>
+          <p:cNvPr id="4" name="직사각형 3">
+            <a:extLst>
+              <a:ext uri="{FF2B5EF4-FFF2-40B4-BE49-F238E27FC236}">
+                <a16:creationId xmlns:a16="http://schemas.microsoft.com/office/drawing/2014/main" id="{6E21D271-25BD-4301-9E07-7015986A8A3D}"/>
+              </a:ext>
+            </a:extLst>
+          </p:cNvPr>
+          <p:cNvSpPr/>
+          <p:nvPr/>
+        </p:nvSpPr>
+        <p:spPr>
+          <a:xfrm>
+            <a:off x="3305908" y="4018085"/>
+            <a:ext cx="3824654" cy="413238"/>
+          </a:xfrm>
+          <a:prstGeom prst="rect">
+            <a:avLst/>
+          </a:prstGeom>
+          <a:noFill/>
+          <a:ln w="38100">
+            <a:solidFill>
+              <a:srgbClr val="0070C0"/>
+            </a:solidFill>
+          </a:ln>
+        </p:spPr>
+        <p:style>
+          <a:lnRef idx="2">
+            <a:schemeClr val="accent1">
+              <a:shade val="50000"/>
+            </a:schemeClr>
+          </a:lnRef>
+          <a:fillRef idx="1">
+            <a:schemeClr val="accent1"/>
+          </a:fillRef>
+          <a:effectRef idx="0">
+            <a:schemeClr val="accent1"/>
+          </a:effectRef>
+          <a:fontRef idx="minor">
+            <a:schemeClr val="lt1"/>
+          </a:fontRef>
+        </p:style>
+        <p:txBody>
+          <a:bodyPr rtlCol="0" anchor="ctr"/>
+          <a:lstStyle/>
+          <a:p>
+            <a:pPr algn="ctr"/>
+            <a:endParaRPr lang="ko-KR" altLang="en-US"/>
+          </a:p>
+        </p:txBody>
+      </p:sp>
+      <p:sp>
+        <p:nvSpPr>
+          <p:cNvPr id="11" name="직사각형 10">
+            <a:extLst>
+              <a:ext uri="{FF2B5EF4-FFF2-40B4-BE49-F238E27FC236}">
+                <a16:creationId xmlns:a16="http://schemas.microsoft.com/office/drawing/2014/main" id="{66F92015-890D-4C12-A2CD-32D4F6801EEC}"/>
+              </a:ext>
+            </a:extLst>
+          </p:cNvPr>
+          <p:cNvSpPr/>
+          <p:nvPr/>
+        </p:nvSpPr>
+        <p:spPr>
+          <a:xfrm>
+            <a:off x="7130562" y="4018085"/>
+            <a:ext cx="694592" cy="413238"/>
+          </a:xfrm>
+          <a:prstGeom prst="rect">
+            <a:avLst/>
+          </a:prstGeom>
+          <a:noFill/>
+          <a:ln w="38100">
+            <a:solidFill>
+              <a:srgbClr val="00B050"/>
+            </a:solidFill>
+          </a:ln>
+        </p:spPr>
+        <p:style>
+          <a:lnRef idx="2">
+            <a:schemeClr val="accent1">
+              <a:shade val="50000"/>
+            </a:schemeClr>
+          </a:lnRef>
+          <a:fillRef idx="1">
+            <a:schemeClr val="accent1"/>
+          </a:fillRef>
+          <a:effectRef idx="0">
+            <a:schemeClr val="accent1"/>
+          </a:effectRef>
+          <a:fontRef idx="minor">
+            <a:schemeClr val="lt1"/>
+          </a:fontRef>
+        </p:style>
+        <p:txBody>
+          <a:bodyPr rtlCol="0" anchor="ctr"/>
+          <a:lstStyle/>
+          <a:p>
+            <a:pPr algn="ctr"/>
+            <a:endParaRPr lang="ko-KR" altLang="en-US"/>
+          </a:p>
+        </p:txBody>
+      </p:sp>
+      <p:sp>
+        <p:nvSpPr>
+          <p:cNvPr id="12" name="TextBox 11">
+            <a:extLst>
+              <a:ext uri="{FF2B5EF4-FFF2-40B4-BE49-F238E27FC236}">
+                <a16:creationId xmlns:a16="http://schemas.microsoft.com/office/drawing/2014/main" id="{329062F7-EBC8-4D88-A5FC-D400B3446098}"/>
+              </a:ext>
+            </a:extLst>
+          </p:cNvPr>
+          <p:cNvSpPr txBox="1"/>
+          <p:nvPr/>
+        </p:nvSpPr>
+        <p:spPr>
+          <a:xfrm>
+            <a:off x="5073161" y="3685768"/>
+            <a:ext cx="290147" cy="276999"/>
+          </a:xfrm>
+          <a:prstGeom prst="rect">
+            <a:avLst/>
+          </a:prstGeom>
+          <a:solidFill>
+            <a:schemeClr val="bg1"/>
+          </a:solidFill>
+          <a:ln>
+            <a:noFill/>
+          </a:ln>
+        </p:spPr>
+        <p:txBody>
+          <a:bodyPr wrap="square" rtlCol="0">
+            <a:spAutoFit/>
+          </a:bodyPr>
+          <a:lstStyle/>
+          <a:p>
+            <a:r>
+              <a:rPr lang="en-US" altLang="ko-KR" sz="1200" b="1" dirty="0">
+                <a:solidFill>
+                  <a:srgbClr val="0070C0"/>
+                </a:solidFill>
+              </a:rPr>
+              <a:t>x</a:t>
+            </a:r>
+            <a:endParaRPr lang="ko-KR" altLang="en-US" sz="1200" b="1" dirty="0">
+              <a:solidFill>
+                <a:srgbClr val="0070C0"/>
+              </a:solidFill>
+            </a:endParaRPr>
+          </a:p>
+        </p:txBody>
+      </p:sp>
+      <p:sp>
+        <p:nvSpPr>
+          <p:cNvPr id="13" name="TextBox 12">
+            <a:extLst>
+              <a:ext uri="{FF2B5EF4-FFF2-40B4-BE49-F238E27FC236}">
+                <a16:creationId xmlns:a16="http://schemas.microsoft.com/office/drawing/2014/main" id="{02826A0A-1CF6-4C32-B364-2120031CA0F5}"/>
+              </a:ext>
+            </a:extLst>
+          </p:cNvPr>
+          <p:cNvSpPr txBox="1"/>
+          <p:nvPr/>
+        </p:nvSpPr>
+        <p:spPr>
+          <a:xfrm>
+            <a:off x="7332784" y="3685768"/>
+            <a:ext cx="290147" cy="276999"/>
+          </a:xfrm>
+          <a:prstGeom prst="rect">
+            <a:avLst/>
+          </a:prstGeom>
+          <a:solidFill>
+            <a:schemeClr val="bg1"/>
+          </a:solidFill>
+          <a:ln>
+            <a:noFill/>
+          </a:ln>
+        </p:spPr>
+        <p:txBody>
+          <a:bodyPr wrap="square" rtlCol="0">
+            <a:spAutoFit/>
+          </a:bodyPr>
+          <a:lstStyle/>
+          <a:p>
+            <a:r>
+              <a:rPr lang="en-US" altLang="ko-KR" sz="1200" b="1" dirty="0">
+                <a:solidFill>
+                  <a:srgbClr val="00B050"/>
+                </a:solidFill>
+              </a:rPr>
+              <a:t>y</a:t>
+            </a:r>
+            <a:endParaRPr lang="ko-KR" altLang="en-US" sz="1200" b="1" dirty="0">
+              <a:solidFill>
+                <a:srgbClr val="00B050"/>
+              </a:solidFill>
+            </a:endParaRPr>
+          </a:p>
+        </p:txBody>
+      </p:sp>
+      <p:sp>
+        <p:nvSpPr>
+          <p:cNvPr id="14" name="TextBox 13">
+            <a:extLst>
+              <a:ext uri="{FF2B5EF4-FFF2-40B4-BE49-F238E27FC236}">
+                <a16:creationId xmlns:a16="http://schemas.microsoft.com/office/drawing/2014/main" id="{81805C9C-44CB-4886-A5E3-66468585F6E5}"/>
+              </a:ext>
+            </a:extLst>
+          </p:cNvPr>
+          <p:cNvSpPr txBox="1"/>
+          <p:nvPr/>
+        </p:nvSpPr>
+        <p:spPr>
+          <a:xfrm>
+            <a:off x="2613513" y="6552472"/>
+            <a:ext cx="720000" cy="276999"/>
+          </a:xfrm>
+          <a:prstGeom prst="rect">
+            <a:avLst/>
+          </a:prstGeom>
+          <a:solidFill>
+            <a:schemeClr val="bg1"/>
+          </a:solidFill>
+          <a:ln>
+            <a:solidFill>
+              <a:schemeClr val="tx1"/>
+            </a:solidFill>
+          </a:ln>
+        </p:spPr>
+        <p:txBody>
+          <a:bodyPr wrap="square" rtlCol="0">
+            <a:spAutoFit/>
+          </a:bodyPr>
+          <a:lstStyle/>
+          <a:p>
+            <a:r>
+              <a:rPr lang="ko-KR" altLang="en-US" sz="1200" dirty="0"/>
+              <a:t>↑표준화</a:t>
+            </a:r>
+          </a:p>
+        </p:txBody>
+      </p:sp>
+      <p:cxnSp>
+        <p:nvCxnSpPr>
+          <p:cNvPr id="15" name="직선 연결선 14">
+            <a:extLst>
+              <a:ext uri="{FF2B5EF4-FFF2-40B4-BE49-F238E27FC236}">
+                <a16:creationId xmlns:a16="http://schemas.microsoft.com/office/drawing/2014/main" id="{89C113C1-B759-4BD0-8791-2F3745B60021}"/>
+              </a:ext>
+            </a:extLst>
+          </p:cNvPr>
+          <p:cNvCxnSpPr>
+            <a:cxnSpLocks/>
+          </p:cNvCxnSpPr>
+          <p:nvPr/>
+        </p:nvCxnSpPr>
+        <p:spPr>
+          <a:xfrm>
+            <a:off x="1670538" y="6475579"/>
+            <a:ext cx="2417885" cy="0"/>
+          </a:xfrm>
+          <a:prstGeom prst="line">
+            <a:avLst/>
+          </a:prstGeom>
+          <a:ln w="38100">
+            <a:solidFill>
+              <a:srgbClr val="FF0000"/>
+            </a:solidFill>
+          </a:ln>
+        </p:spPr>
+        <p:style>
+          <a:lnRef idx="1">
+            <a:schemeClr val="accent1"/>
+          </a:lnRef>
+          <a:fillRef idx="0">
+            <a:schemeClr val="accent1"/>
+          </a:fillRef>
+          <a:effectRef idx="0">
+            <a:schemeClr val="accent1"/>
+          </a:effectRef>
+          <a:fontRef idx="minor">
+            <a:schemeClr val="tx1"/>
+          </a:fontRef>
+        </p:style>
+      </p:cxnSp>
+    </p:spTree>
+    <p:extLst>
+      <p:ext uri="{BB962C8B-B14F-4D97-AF65-F5344CB8AC3E}">
+        <p14:creationId xmlns:p14="http://schemas.microsoft.com/office/powerpoint/2010/main" val="1323848531"/>
+      </p:ext>
+    </p:extLst>
+  </p:cSld>
+  <p:clrMapOvr>
+    <a:masterClrMapping/>
+  </p:clrMapOvr>
+</p:sld>
+</file>
+
+<file path=ppt/slides/slide8.xml><?xml version="1.0" encoding="utf-8"?>
+<p:sld xmlns:a="http://schemas.openxmlformats.org/drawingml/2006/main" xmlns:r="http://schemas.openxmlformats.org/officeDocument/2006/relationships" xmlns:p="http://schemas.openxmlformats.org/presentationml/2006/main">
+  <p:cSld>
+    <p:spTree>
+      <p:nvGrpSpPr>
+        <p:cNvPr id="1" name=""/>
+        <p:cNvGrpSpPr/>
+        <p:nvPr/>
+      </p:nvGrpSpPr>
+      <p:grpSpPr>
+        <a:xfrm>
+          <a:off x="0" y="0"/>
+          <a:ext cx="0" cy="0"/>
+          <a:chOff x="0" y="0"/>
+          <a:chExt cx="0" cy="0"/>
+        </a:xfrm>
+      </p:grpSpPr>
+      <p:sp>
+        <p:nvSpPr>
+          <p:cNvPr id="2" name="제목 1">
+            <a:extLst>
+              <a:ext uri="{FF2B5EF4-FFF2-40B4-BE49-F238E27FC236}">
+                <a16:creationId xmlns:a16="http://schemas.microsoft.com/office/drawing/2014/main" id="{E61AAEF0-04B2-4C88-9884-4AC35755CB73}"/>
+              </a:ext>
+            </a:extLst>
+          </p:cNvPr>
+          <p:cNvSpPr>
+            <a:spLocks noGrp="1"/>
+          </p:cNvSpPr>
+          <p:nvPr>
+            <p:ph type="title"/>
+          </p:nvPr>
+        </p:nvSpPr>
+        <p:spPr/>
+        <p:txBody>
+          <a:bodyPr>
+            <a:normAutofit/>
+          </a:bodyPr>
+          <a:lstStyle/>
+          <a:p>
+            <a:r>
+              <a:rPr lang="en-US" altLang="ko-KR" sz="3600" dirty="0"/>
+              <a:t>13.1.3. </a:t>
+            </a:r>
+            <a:r>
+              <a:rPr lang="ko-KR" altLang="en-US" sz="3600" dirty="0"/>
+              <a:t>데이터 </a:t>
+            </a:r>
+            <a:r>
+              <a:rPr lang="ko-KR" altLang="en-US" sz="3600" dirty="0" err="1"/>
+              <a:t>전처리</a:t>
+            </a:r>
+            <a:endParaRPr lang="ko-KR" altLang="en-US" sz="3600" dirty="0"/>
+          </a:p>
+        </p:txBody>
+      </p:sp>
+      <p:pic>
+        <p:nvPicPr>
+          <p:cNvPr id="5" name="그림 4">
+            <a:extLst>
+              <a:ext uri="{FF2B5EF4-FFF2-40B4-BE49-F238E27FC236}">
+                <a16:creationId xmlns:a16="http://schemas.microsoft.com/office/drawing/2014/main" id="{58471F01-45CD-4BED-BDDB-F57D52D9E678}"/>
+              </a:ext>
+            </a:extLst>
+          </p:cNvPr>
+          <p:cNvPicPr>
+            <a:picLocks noChangeAspect="1"/>
+          </p:cNvPicPr>
+          <p:nvPr/>
+        </p:nvPicPr>
+        <p:blipFill>
+          <a:blip r:embed="rId2"/>
+          <a:stretch>
+            <a:fillRect/>
+          </a:stretch>
+        </p:blipFill>
+        <p:spPr>
+          <a:xfrm>
+            <a:off x="972000" y="1690690"/>
+            <a:ext cx="7200000" cy="2873239"/>
+          </a:xfrm>
+          <a:prstGeom prst="rect">
+            <a:avLst/>
+          </a:prstGeom>
+          <a:ln>
+            <a:solidFill>
+              <a:schemeClr val="tx1"/>
+            </a:solidFill>
+          </a:ln>
+        </p:spPr>
+      </p:pic>
+      <p:pic>
+        <p:nvPicPr>
+          <p:cNvPr id="16" name="그림 15">
+            <a:extLst>
+              <a:ext uri="{FF2B5EF4-FFF2-40B4-BE49-F238E27FC236}">
+                <a16:creationId xmlns:a16="http://schemas.microsoft.com/office/drawing/2014/main" id="{DD0F7630-AC01-4D1A-8B84-545E157926E8}"/>
+              </a:ext>
+            </a:extLst>
+          </p:cNvPr>
+          <p:cNvPicPr>
+            <a:picLocks noChangeAspect="1"/>
+          </p:cNvPicPr>
+          <p:nvPr/>
+        </p:nvPicPr>
+        <p:blipFill>
+          <a:blip r:embed="rId3"/>
+          <a:stretch>
+            <a:fillRect/>
+          </a:stretch>
+        </p:blipFill>
+        <p:spPr>
+          <a:xfrm>
+            <a:off x="972000" y="4879359"/>
+            <a:ext cx="7200000" cy="1402500"/>
+          </a:xfrm>
+          <a:prstGeom prst="rect">
+            <a:avLst/>
+          </a:prstGeom>
+          <a:ln>
+            <a:solidFill>
+              <a:schemeClr val="tx1"/>
+            </a:solidFill>
+          </a:ln>
+        </p:spPr>
+      </p:pic>
+    </p:spTree>
+    <p:extLst>
+      <p:ext uri="{BB962C8B-B14F-4D97-AF65-F5344CB8AC3E}">
+        <p14:creationId xmlns:p14="http://schemas.microsoft.com/office/powerpoint/2010/main" val="2546551174"/>
+      </p:ext>
+    </p:extLst>
+  </p:cSld>
+  <p:clrMapOvr>
+    <a:masterClrMapping/>
+  </p:clrMapOvr>
+</p:sld>
+</file>
+
+<file path=ppt/slides/slide9.xml><?xml version="1.0" encoding="utf-8"?>
+<p:sld xmlns:a="http://schemas.openxmlformats.org/drawingml/2006/main" xmlns:r="http://schemas.openxmlformats.org/officeDocument/2006/relationships" xmlns:p="http://schemas.openxmlformats.org/presentationml/2006/main">
+  <p:cSld>
+    <p:spTree>
+      <p:nvGrpSpPr>
+        <p:cNvPr id="1" name=""/>
+        <p:cNvGrpSpPr/>
+        <p:nvPr/>
+      </p:nvGrpSpPr>
+      <p:grpSpPr>
+        <a:xfrm>
+          <a:off x="0" y="0"/>
+          <a:ext cx="0" cy="0"/>
+          <a:chOff x="0" y="0"/>
+          <a:chExt cx="0" cy="0"/>
+        </a:xfrm>
+      </p:grpSpPr>
+      <p:sp>
+        <p:nvSpPr>
+          <p:cNvPr id="2" name="제목 1">
+            <a:extLst>
+              <a:ext uri="{FF2B5EF4-FFF2-40B4-BE49-F238E27FC236}">
+                <a16:creationId xmlns:a16="http://schemas.microsoft.com/office/drawing/2014/main" id="{EE221C76-91DE-4605-B7BA-F7E801999C3D}"/>
+              </a:ext>
+            </a:extLst>
+          </p:cNvPr>
+          <p:cNvSpPr>
+            <a:spLocks noGrp="1"/>
+          </p:cNvSpPr>
+          <p:nvPr>
+            <p:ph type="title"/>
+          </p:nvPr>
+        </p:nvSpPr>
+        <p:spPr/>
+        <p:txBody>
+          <a:bodyPr>
+            <a:normAutofit/>
+          </a:bodyPr>
+          <a:lstStyle/>
+          <a:p>
+            <a:r>
+              <a:rPr lang="en-US" altLang="ko-KR" sz="3600" dirty="0"/>
+              <a:t>13.1.4. </a:t>
+            </a:r>
+            <a:r>
+              <a:rPr lang="ko-KR" altLang="en-US" sz="3600" dirty="0"/>
+              <a:t>데이터 적재와 전처리를 합치기</a:t>
+            </a:r>
+          </a:p>
+        </p:txBody>
+      </p:sp>
+      <p:grpSp>
+        <p:nvGrpSpPr>
+          <p:cNvPr id="9" name="그룹 8">
+            <a:extLst>
+              <a:ext uri="{FF2B5EF4-FFF2-40B4-BE49-F238E27FC236}">
+                <a16:creationId xmlns:a16="http://schemas.microsoft.com/office/drawing/2014/main" id="{E7DDDA62-D89E-4FC1-B64F-8473392E21D9}"/>
+              </a:ext>
+            </a:extLst>
+          </p:cNvPr>
+          <p:cNvGrpSpPr/>
+          <p:nvPr/>
+        </p:nvGrpSpPr>
+        <p:grpSpPr>
+          <a:xfrm>
+            <a:off x="209550" y="1690689"/>
+            <a:ext cx="8724900" cy="3590925"/>
+            <a:chOff x="209550" y="1690689"/>
+            <a:chExt cx="8724900" cy="3590925"/>
+          </a:xfrm>
+        </p:grpSpPr>
+        <p:pic>
+          <p:nvPicPr>
+            <p:cNvPr id="5" name="그림 4">
+              <a:extLst>
+                <a:ext uri="{FF2B5EF4-FFF2-40B4-BE49-F238E27FC236}">
+                  <a16:creationId xmlns:a16="http://schemas.microsoft.com/office/drawing/2014/main" id="{CE9D450A-C468-439B-A8FD-A96277C8AFDD}"/>
+                </a:ext>
+              </a:extLst>
+            </p:cNvPr>
+            <p:cNvPicPr>
+              <a:picLocks noChangeAspect="1"/>
+            </p:cNvPicPr>
+            <p:nvPr/>
+          </p:nvPicPr>
+          <p:blipFill>
+            <a:blip r:embed="rId2"/>
+            <a:stretch>
+              <a:fillRect/>
+            </a:stretch>
+          </p:blipFill>
+          <p:spPr>
+            <a:xfrm>
+              <a:off x="209550" y="1690689"/>
+              <a:ext cx="8724900" cy="3590925"/>
+            </a:xfrm>
+            <a:prstGeom prst="rect">
+              <a:avLst/>
+            </a:prstGeom>
+          </p:spPr>
+        </p:pic>
+        <p:sp>
+          <p:nvSpPr>
+            <p:cNvPr id="7" name="직사각형 6">
+              <a:extLst>
+                <a:ext uri="{FF2B5EF4-FFF2-40B4-BE49-F238E27FC236}">
+                  <a16:creationId xmlns:a16="http://schemas.microsoft.com/office/drawing/2014/main" id="{1586A694-12D2-4478-A71D-C704B4F5BCC9}"/>
+                </a:ext>
+              </a:extLst>
+            </p:cNvPr>
+            <p:cNvSpPr/>
+            <p:nvPr/>
+          </p:nvSpPr>
+          <p:spPr>
+            <a:xfrm>
+              <a:off x="628650" y="4501662"/>
+              <a:ext cx="8305800" cy="404446"/>
+            </a:xfrm>
+            <a:prstGeom prst="rect">
+              <a:avLst/>
+            </a:prstGeom>
+            <a:noFill/>
+            <a:ln w="38100">
+              <a:solidFill>
+                <a:srgbClr val="FF0000"/>
+              </a:solidFill>
+            </a:ln>
+          </p:spPr>
+          <p:style>
+            <a:lnRef idx="2">
+              <a:schemeClr val="accent1">
+                <a:shade val="50000"/>
+              </a:schemeClr>
+            </a:lnRef>
+            <a:fillRef idx="1">
+              <a:schemeClr val="accent1"/>
+            </a:fillRef>
+            <a:effectRef idx="0">
+              <a:schemeClr val="accent1"/>
+            </a:effectRef>
+            <a:fontRef idx="minor">
+              <a:schemeClr val="lt1"/>
+            </a:fontRef>
+          </p:style>
+          <p:txBody>
+            <a:bodyPr rtlCol="0" anchor="ctr"/>
+            <a:lstStyle/>
+            <a:p>
+              <a:pPr algn="ctr"/>
+              <a:endParaRPr lang="ko-KR" altLang="en-US"/>
+            </a:p>
+          </p:txBody>
+        </p:sp>
+      </p:grpSp>
+      <p:sp>
+        <p:nvSpPr>
+          <p:cNvPr id="8" name="내용 개체 틀 2">
+            <a:extLst>
+              <a:ext uri="{FF2B5EF4-FFF2-40B4-BE49-F238E27FC236}">
+                <a16:creationId xmlns:a16="http://schemas.microsoft.com/office/drawing/2014/main" id="{BA04CA18-B70F-4057-91F3-2F5248702AF2}"/>
+              </a:ext>
+            </a:extLst>
+          </p:cNvPr>
+          <p:cNvSpPr>
+            <a:spLocks noGrp="1"/>
+          </p:cNvSpPr>
+          <p:nvPr>
+            <p:ph idx="1"/>
+          </p:nvPr>
+        </p:nvSpPr>
+        <p:spPr>
+          <a:xfrm>
+            <a:off x="628650" y="5281614"/>
+            <a:ext cx="7886700" cy="1440000"/>
+          </a:xfrm>
+        </p:spPr>
+        <p:txBody>
+          <a:bodyPr>
+            <a:normAutofit/>
+          </a:bodyPr>
+          <a:lstStyle/>
+          <a:p>
+            <a:r>
+              <a:rPr lang="en-US" altLang="ko-KR" sz="2400" dirty="0"/>
+              <a:t>map</a:t>
+            </a:r>
+            <a:r>
+              <a:rPr lang="ko-KR" altLang="en-US" sz="2400" dirty="0"/>
+              <a:t> 메서드</a:t>
+            </a:r>
+            <a:r>
+              <a:rPr lang="en-US" altLang="ko-KR" sz="2400" dirty="0"/>
+              <a:t>: </a:t>
+            </a:r>
+            <a:r>
+              <a:rPr lang="ko-KR" altLang="en-US" sz="2400" dirty="0"/>
+              <a:t>각 아이템에 </a:t>
+            </a:r>
+            <a:r>
+              <a:rPr lang="en-US" altLang="ko-KR" sz="2400" dirty="0"/>
+              <a:t>preprocess </a:t>
+            </a:r>
+            <a:r>
+              <a:rPr lang="ko-KR" altLang="en-US" sz="2400" dirty="0"/>
+              <a:t>변환을 적용</a:t>
+            </a:r>
+            <a:endParaRPr lang="en-US" altLang="ko-KR" sz="2400" dirty="0"/>
+          </a:p>
+          <a:p>
+            <a:r>
+              <a:rPr lang="en-US" altLang="ko-KR" sz="2400" dirty="0" err="1"/>
+              <a:t>num_parallel_calls</a:t>
+            </a:r>
+            <a:r>
+              <a:rPr lang="en-US" altLang="ko-KR" sz="2400" dirty="0"/>
+              <a:t>: </a:t>
+            </a:r>
+            <a:r>
+              <a:rPr lang="ko-KR" altLang="en-US" sz="2400" dirty="0"/>
+              <a:t>병렬로 작업을 수행 </a:t>
+            </a:r>
+            <a:r>
+              <a:rPr lang="en-US" altLang="ko-KR" sz="2400" dirty="0">
+                <a:sym typeface="Wingdings" panose="05000000000000000000" pitchFamily="2" charset="2"/>
+              </a:rPr>
+              <a:t> </a:t>
+            </a:r>
+            <a:r>
+              <a:rPr lang="ko-KR" altLang="en-US" sz="2400" dirty="0">
+                <a:sym typeface="Wingdings" panose="05000000000000000000" pitchFamily="2" charset="2"/>
+              </a:rPr>
+              <a:t>더 빠른 작업</a:t>
+            </a:r>
+            <a:endParaRPr lang="en-US" altLang="ko-KR" sz="2400" dirty="0">
+              <a:sym typeface="Wingdings" panose="05000000000000000000" pitchFamily="2" charset="2"/>
+            </a:endParaRPr>
+          </a:p>
+          <a:p>
+            <a:pPr marL="0" indent="0">
+              <a:buNone/>
+            </a:pPr>
+            <a:r>
+              <a:rPr lang="en-US" altLang="ko-KR" sz="2400" dirty="0"/>
+              <a:t>(</a:t>
+            </a:r>
+            <a:r>
+              <a:rPr lang="en-US" altLang="ko-KR" sz="2400" dirty="0" err="1"/>
+              <a:t>n_parse_threads</a:t>
+            </a:r>
+            <a:r>
+              <a:rPr lang="en-US" altLang="ko-KR" sz="2400" dirty="0"/>
+              <a:t> </a:t>
+            </a:r>
+            <a:r>
+              <a:rPr lang="ko-KR" altLang="en-US" sz="2400" dirty="0"/>
+              <a:t>수만큼 자원을 활용</a:t>
+            </a:r>
+            <a:r>
+              <a:rPr lang="en-US" altLang="ko-KR" sz="2400" dirty="0"/>
+              <a:t>)</a:t>
+            </a:r>
+            <a:endParaRPr lang="ko-KR" altLang="en-US" sz="2400" dirty="0"/>
+          </a:p>
+        </p:txBody>
+      </p:sp>
+    </p:spTree>
+    <p:extLst>
+      <p:ext uri="{BB962C8B-B14F-4D97-AF65-F5344CB8AC3E}">
+        <p14:creationId xmlns:p14="http://schemas.microsoft.com/office/powerpoint/2010/main" val="1712074874"/>
       </p:ext>
     </p:extLst>
   </p:cSld>
